--- a/Tests/UnderReview/SoilTemperature/Presentation1.pptx
+++ b/Tests/UnderReview/SoilTemperature/Presentation1.pptx
@@ -6,6 +6,7 @@
   </p:sldMasterIdLst>
   <p:sldIdLst>
     <p:sldId id="256" r:id="rId2"/>
+    <p:sldId id="257" r:id="rId3"/>
   </p:sldIdLst>
   <p:sldSz cx="12192000" cy="6858000"/>
   <p:notesSz cx="6858000" cy="9144000"/>
@@ -104,6 +105,11 @@
       </a:defRPr>
     </a:lvl9pPr>
   </p:defaultTextStyle>
+  <p:extLst>
+    <p:ext uri="{EFAFB233-063F-42B5-8137-9DF3F51BA10A}">
+      <p15:sldGuideLst xmlns:p15="http://schemas.microsoft.com/office/powerpoint/2012/main"/>
+    </p:ext>
+  </p:extLst>
 </p:presentation>
 </file>
 
@@ -256,7 +262,7 @@
           <a:p>
             <a:fld id="{2C98917A-166D-418F-9465-215EC572678E}" type="datetimeFigureOut">
               <a:rPr lang="en-NZ" smtClean="0"/>
-              <a:t>18/03/2024</a:t>
+              <a:t>19/03/2024</a:t>
             </a:fld>
             <a:endParaRPr lang="en-NZ"/>
           </a:p>
@@ -456,7 +462,7 @@
           <a:p>
             <a:fld id="{2C98917A-166D-418F-9465-215EC572678E}" type="datetimeFigureOut">
               <a:rPr lang="en-NZ" smtClean="0"/>
-              <a:t>18/03/2024</a:t>
+              <a:t>19/03/2024</a:t>
             </a:fld>
             <a:endParaRPr lang="en-NZ"/>
           </a:p>
@@ -666,7 +672,7 @@
           <a:p>
             <a:fld id="{2C98917A-166D-418F-9465-215EC572678E}" type="datetimeFigureOut">
               <a:rPr lang="en-NZ" smtClean="0"/>
-              <a:t>18/03/2024</a:t>
+              <a:t>19/03/2024</a:t>
             </a:fld>
             <a:endParaRPr lang="en-NZ"/>
           </a:p>
@@ -866,7 +872,7 @@
           <a:p>
             <a:fld id="{2C98917A-166D-418F-9465-215EC572678E}" type="datetimeFigureOut">
               <a:rPr lang="en-NZ" smtClean="0"/>
-              <a:t>18/03/2024</a:t>
+              <a:t>19/03/2024</a:t>
             </a:fld>
             <a:endParaRPr lang="en-NZ"/>
           </a:p>
@@ -1142,7 +1148,7 @@
           <a:p>
             <a:fld id="{2C98917A-166D-418F-9465-215EC572678E}" type="datetimeFigureOut">
               <a:rPr lang="en-NZ" smtClean="0"/>
-              <a:t>18/03/2024</a:t>
+              <a:t>19/03/2024</a:t>
             </a:fld>
             <a:endParaRPr lang="en-NZ"/>
           </a:p>
@@ -1410,7 +1416,7 @@
           <a:p>
             <a:fld id="{2C98917A-166D-418F-9465-215EC572678E}" type="datetimeFigureOut">
               <a:rPr lang="en-NZ" smtClean="0"/>
-              <a:t>18/03/2024</a:t>
+              <a:t>19/03/2024</a:t>
             </a:fld>
             <a:endParaRPr lang="en-NZ"/>
           </a:p>
@@ -1825,7 +1831,7 @@
           <a:p>
             <a:fld id="{2C98917A-166D-418F-9465-215EC572678E}" type="datetimeFigureOut">
               <a:rPr lang="en-NZ" smtClean="0"/>
-              <a:t>18/03/2024</a:t>
+              <a:t>19/03/2024</a:t>
             </a:fld>
             <a:endParaRPr lang="en-NZ"/>
           </a:p>
@@ -1967,7 +1973,7 @@
           <a:p>
             <a:fld id="{2C98917A-166D-418F-9465-215EC572678E}" type="datetimeFigureOut">
               <a:rPr lang="en-NZ" smtClean="0"/>
-              <a:t>18/03/2024</a:t>
+              <a:t>19/03/2024</a:t>
             </a:fld>
             <a:endParaRPr lang="en-NZ"/>
           </a:p>
@@ -2080,7 +2086,7 @@
           <a:p>
             <a:fld id="{2C98917A-166D-418F-9465-215EC572678E}" type="datetimeFigureOut">
               <a:rPr lang="en-NZ" smtClean="0"/>
-              <a:t>18/03/2024</a:t>
+              <a:t>19/03/2024</a:t>
             </a:fld>
             <a:endParaRPr lang="en-NZ"/>
           </a:p>
@@ -2393,7 +2399,7 @@
           <a:p>
             <a:fld id="{2C98917A-166D-418F-9465-215EC572678E}" type="datetimeFigureOut">
               <a:rPr lang="en-NZ" smtClean="0"/>
-              <a:t>18/03/2024</a:t>
+              <a:t>19/03/2024</a:t>
             </a:fld>
             <a:endParaRPr lang="en-NZ"/>
           </a:p>
@@ -2682,7 +2688,7 @@
           <a:p>
             <a:fld id="{2C98917A-166D-418F-9465-215EC572678E}" type="datetimeFigureOut">
               <a:rPr lang="en-NZ" smtClean="0"/>
-              <a:t>18/03/2024</a:t>
+              <a:t>19/03/2024</a:t>
             </a:fld>
             <a:endParaRPr lang="en-NZ"/>
           </a:p>
@@ -2925,7 +2931,7 @@
           <a:p>
             <a:fld id="{2C98917A-166D-418F-9465-215EC572678E}" type="datetimeFigureOut">
               <a:rPr lang="en-NZ" smtClean="0"/>
-              <a:t>18/03/2024</a:t>
+              <a:t>19/03/2024</a:t>
             </a:fld>
             <a:endParaRPr lang="en-NZ"/>
           </a:p>
@@ -4630,10 +4636,2938 @@
           </a:p>
         </p:txBody>
       </p:sp>
+      <p:grpSp>
+        <p:nvGrpSpPr>
+          <p:cNvPr id="15" name="Group 14">
+            <a:extLst>
+              <a:ext uri="{FF2B5EF4-FFF2-40B4-BE49-F238E27FC236}">
+                <a16:creationId xmlns:a16="http://schemas.microsoft.com/office/drawing/2014/main" id="{5BCA58B2-E53E-8F33-A1FF-E4012D208CF7}"/>
+              </a:ext>
+            </a:extLst>
+          </p:cNvPr>
+          <p:cNvGrpSpPr/>
+          <p:nvPr/>
+        </p:nvGrpSpPr>
+        <p:grpSpPr>
+          <a:xfrm>
+            <a:off x="8240165" y="3625395"/>
+            <a:ext cx="914400" cy="1622879"/>
+            <a:chOff x="8240165" y="3625395"/>
+            <a:chExt cx="914400" cy="1622879"/>
+          </a:xfrm>
+        </p:grpSpPr>
+        <p:pic>
+          <p:nvPicPr>
+            <p:cNvPr id="4" name="Graphic 3" descr="Plant With Roots outline">
+              <a:extLst>
+                <a:ext uri="{FF2B5EF4-FFF2-40B4-BE49-F238E27FC236}">
+                  <a16:creationId xmlns:a16="http://schemas.microsoft.com/office/drawing/2014/main" id="{0B8339AB-CB11-2F9C-FCC3-B39C176A63C4}"/>
+                </a:ext>
+              </a:extLst>
+            </p:cNvPr>
+            <p:cNvPicPr>
+              <a:picLocks noChangeAspect="1"/>
+            </p:cNvPicPr>
+            <p:nvPr/>
+          </p:nvPicPr>
+          <p:blipFill>
+            <a:blip r:embed="rId4">
+              <a:extLst>
+                <a:ext uri="{28A0092B-C50C-407E-A947-70E740481C1C}">
+                  <a14:useLocalDpi xmlns:a14="http://schemas.microsoft.com/office/drawing/2010/main" val="0"/>
+                </a:ext>
+                <a:ext uri="{96DAC541-7B7A-43D3-8B79-37D633B846F1}">
+                  <asvg:svgBlip xmlns:asvg="http://schemas.microsoft.com/office/drawing/2016/SVG/main" r:embed="rId5"/>
+                </a:ext>
+              </a:extLst>
+            </a:blip>
+            <a:stretch>
+              <a:fillRect/>
+            </a:stretch>
+          </p:blipFill>
+          <p:spPr>
+            <a:xfrm>
+              <a:off x="8240165" y="3625395"/>
+              <a:ext cx="914400" cy="914400"/>
+            </a:xfrm>
+            <a:prstGeom prst="rect">
+              <a:avLst/>
+            </a:prstGeom>
+          </p:spPr>
+        </p:pic>
+        <p:pic>
+          <p:nvPicPr>
+            <p:cNvPr id="14" name="Graphic 13" descr="Plant With Roots outline">
+              <a:extLst>
+                <a:ext uri="{FF2B5EF4-FFF2-40B4-BE49-F238E27FC236}">
+                  <a16:creationId xmlns:a16="http://schemas.microsoft.com/office/drawing/2014/main" id="{5ECBC10B-8728-0FB5-3571-F634B84D7145}"/>
+                </a:ext>
+              </a:extLst>
+            </p:cNvPr>
+            <p:cNvPicPr>
+              <a:picLocks noChangeAspect="1"/>
+            </p:cNvPicPr>
+            <p:nvPr/>
+          </p:nvPicPr>
+          <p:blipFill rotWithShape="1">
+            <a:blip r:embed="rId4">
+              <a:extLst>
+                <a:ext uri="{28A0092B-C50C-407E-A947-70E740481C1C}">
+                  <a14:useLocalDpi xmlns:a14="http://schemas.microsoft.com/office/drawing/2010/main" val="0"/>
+                </a:ext>
+                <a:ext uri="{96DAC541-7B7A-43D3-8B79-37D633B846F1}">
+                  <asvg:svgBlip xmlns:asvg="http://schemas.microsoft.com/office/drawing/2016/SVG/main" r:embed="rId5"/>
+                </a:ext>
+              </a:extLst>
+            </a:blip>
+            <a:srcRect t="62614"/>
+            <a:stretch/>
+          </p:blipFill>
+          <p:spPr>
+            <a:xfrm>
+              <a:off x="8240165" y="4241800"/>
+              <a:ext cx="914400" cy="1006474"/>
+            </a:xfrm>
+            <a:prstGeom prst="rect">
+              <a:avLst/>
+            </a:prstGeom>
+          </p:spPr>
+        </p:pic>
+      </p:grpSp>
+      <p:grpSp>
+        <p:nvGrpSpPr>
+          <p:cNvPr id="53" name="Group 52">
+            <a:extLst>
+              <a:ext uri="{FF2B5EF4-FFF2-40B4-BE49-F238E27FC236}">
+                <a16:creationId xmlns:a16="http://schemas.microsoft.com/office/drawing/2014/main" id="{0963952F-7408-51BD-F70B-97A952052BB4}"/>
+              </a:ext>
+            </a:extLst>
+          </p:cNvPr>
+          <p:cNvGrpSpPr/>
+          <p:nvPr/>
+        </p:nvGrpSpPr>
+        <p:grpSpPr>
+          <a:xfrm>
+            <a:off x="8364818" y="4152899"/>
+            <a:ext cx="1419261" cy="142441"/>
+            <a:chOff x="5962650" y="3021806"/>
+            <a:chExt cx="881542" cy="147638"/>
+          </a:xfrm>
+        </p:grpSpPr>
+        <p:pic>
+          <p:nvPicPr>
+            <p:cNvPr id="17" name="Graphic 16" descr="Succulent outline">
+              <a:extLst>
+                <a:ext uri="{FF2B5EF4-FFF2-40B4-BE49-F238E27FC236}">
+                  <a16:creationId xmlns:a16="http://schemas.microsoft.com/office/drawing/2014/main" id="{F5C3AB66-19CE-52DE-B909-FBF96ACF10C7}"/>
+                </a:ext>
+              </a:extLst>
+            </p:cNvPr>
+            <p:cNvPicPr>
+              <a:picLocks noChangeAspect="1"/>
+            </p:cNvPicPr>
+            <p:nvPr/>
+          </p:nvPicPr>
+          <p:blipFill rotWithShape="1">
+            <a:blip r:embed="rId6">
+              <a:extLst>
+                <a:ext uri="{28A0092B-C50C-407E-A947-70E740481C1C}">
+                  <a14:useLocalDpi xmlns:a14="http://schemas.microsoft.com/office/drawing/2010/main" val="0"/>
+                </a:ext>
+                <a:ext uri="{96DAC541-7B7A-43D3-8B79-37D633B846F1}">
+                  <asvg:svgBlip xmlns:asvg="http://schemas.microsoft.com/office/drawing/2016/SVG/main" r:embed="rId7"/>
+                </a:ext>
+              </a:extLst>
+            </a:blip>
+            <a:srcRect l="35416" t="5469" r="35677" b="78385"/>
+            <a:stretch/>
+          </p:blipFill>
+          <p:spPr>
+            <a:xfrm>
+              <a:off x="5962650" y="3021806"/>
+              <a:ext cx="264319" cy="147638"/>
+            </a:xfrm>
+            <a:prstGeom prst="rect">
+              <a:avLst/>
+            </a:prstGeom>
+          </p:spPr>
+        </p:pic>
+        <p:pic>
+          <p:nvPicPr>
+            <p:cNvPr id="19" name="Graphic 18" descr="Succulent outline">
+              <a:extLst>
+                <a:ext uri="{FF2B5EF4-FFF2-40B4-BE49-F238E27FC236}">
+                  <a16:creationId xmlns:a16="http://schemas.microsoft.com/office/drawing/2014/main" id="{9448A1F9-7F98-A185-8BEC-51F864C7C50D}"/>
+                </a:ext>
+              </a:extLst>
+            </p:cNvPr>
+            <p:cNvPicPr>
+              <a:picLocks noChangeAspect="1"/>
+            </p:cNvPicPr>
+            <p:nvPr/>
+          </p:nvPicPr>
+          <p:blipFill rotWithShape="1">
+            <a:blip r:embed="rId6">
+              <a:extLst>
+                <a:ext uri="{28A0092B-C50C-407E-A947-70E740481C1C}">
+                  <a14:useLocalDpi xmlns:a14="http://schemas.microsoft.com/office/drawing/2010/main" val="0"/>
+                </a:ext>
+                <a:ext uri="{96DAC541-7B7A-43D3-8B79-37D633B846F1}">
+                  <asvg:svgBlip xmlns:asvg="http://schemas.microsoft.com/office/drawing/2016/SVG/main" r:embed="rId7"/>
+                </a:ext>
+              </a:extLst>
+            </a:blip>
+            <a:srcRect l="35416" t="5469" r="35677" b="78385"/>
+            <a:stretch/>
+          </p:blipFill>
+          <p:spPr>
+            <a:xfrm>
+              <a:off x="6088618" y="3021806"/>
+              <a:ext cx="264319" cy="147638"/>
+            </a:xfrm>
+            <a:prstGeom prst="rect">
+              <a:avLst/>
+            </a:prstGeom>
+          </p:spPr>
+        </p:pic>
+        <p:pic>
+          <p:nvPicPr>
+            <p:cNvPr id="20" name="Graphic 19" descr="Succulent outline">
+              <a:extLst>
+                <a:ext uri="{FF2B5EF4-FFF2-40B4-BE49-F238E27FC236}">
+                  <a16:creationId xmlns:a16="http://schemas.microsoft.com/office/drawing/2014/main" id="{27464B22-FAEC-2D8C-4EE8-061249BC6D74}"/>
+                </a:ext>
+              </a:extLst>
+            </p:cNvPr>
+            <p:cNvPicPr>
+              <a:picLocks noChangeAspect="1"/>
+            </p:cNvPicPr>
+            <p:nvPr/>
+          </p:nvPicPr>
+          <p:blipFill rotWithShape="1">
+            <a:blip r:embed="rId6">
+              <a:extLst>
+                <a:ext uri="{28A0092B-C50C-407E-A947-70E740481C1C}">
+                  <a14:useLocalDpi xmlns:a14="http://schemas.microsoft.com/office/drawing/2010/main" val="0"/>
+                </a:ext>
+                <a:ext uri="{96DAC541-7B7A-43D3-8B79-37D633B846F1}">
+                  <asvg:svgBlip xmlns:asvg="http://schemas.microsoft.com/office/drawing/2016/SVG/main" r:embed="rId7"/>
+                </a:ext>
+              </a:extLst>
+            </a:blip>
+            <a:srcRect l="35416" t="5469" r="35677" b="78385"/>
+            <a:stretch/>
+          </p:blipFill>
+          <p:spPr>
+            <a:xfrm>
+              <a:off x="6157794" y="3021806"/>
+              <a:ext cx="264319" cy="147638"/>
+            </a:xfrm>
+            <a:prstGeom prst="rect">
+              <a:avLst/>
+            </a:prstGeom>
+          </p:spPr>
+        </p:pic>
+        <p:pic>
+          <p:nvPicPr>
+            <p:cNvPr id="21" name="Graphic 20" descr="Succulent outline">
+              <a:extLst>
+                <a:ext uri="{FF2B5EF4-FFF2-40B4-BE49-F238E27FC236}">
+                  <a16:creationId xmlns:a16="http://schemas.microsoft.com/office/drawing/2014/main" id="{42B77A81-F229-FD26-BD04-B95C5BE1C84D}"/>
+                </a:ext>
+              </a:extLst>
+            </p:cNvPr>
+            <p:cNvPicPr>
+              <a:picLocks noChangeAspect="1"/>
+            </p:cNvPicPr>
+            <p:nvPr/>
+          </p:nvPicPr>
+          <p:blipFill rotWithShape="1">
+            <a:blip r:embed="rId6">
+              <a:extLst>
+                <a:ext uri="{28A0092B-C50C-407E-A947-70E740481C1C}">
+                  <a14:useLocalDpi xmlns:a14="http://schemas.microsoft.com/office/drawing/2010/main" val="0"/>
+                </a:ext>
+                <a:ext uri="{96DAC541-7B7A-43D3-8B79-37D633B846F1}">
+                  <asvg:svgBlip xmlns:asvg="http://schemas.microsoft.com/office/drawing/2016/SVG/main" r:embed="rId7"/>
+                </a:ext>
+              </a:extLst>
+            </a:blip>
+            <a:srcRect l="35416" t="5469" r="35677" b="78385"/>
+            <a:stretch/>
+          </p:blipFill>
+          <p:spPr>
+            <a:xfrm>
+              <a:off x="6243579" y="3021806"/>
+              <a:ext cx="264319" cy="147638"/>
+            </a:xfrm>
+            <a:prstGeom prst="rect">
+              <a:avLst/>
+            </a:prstGeom>
+          </p:spPr>
+        </p:pic>
+        <p:pic>
+          <p:nvPicPr>
+            <p:cNvPr id="22" name="Graphic 21" descr="Succulent outline">
+              <a:extLst>
+                <a:ext uri="{FF2B5EF4-FFF2-40B4-BE49-F238E27FC236}">
+                  <a16:creationId xmlns:a16="http://schemas.microsoft.com/office/drawing/2014/main" id="{CA160437-BF23-BCFF-29C6-03F51FE900E4}"/>
+                </a:ext>
+              </a:extLst>
+            </p:cNvPr>
+            <p:cNvPicPr>
+              <a:picLocks noChangeAspect="1"/>
+            </p:cNvPicPr>
+            <p:nvPr/>
+          </p:nvPicPr>
+          <p:blipFill rotWithShape="1">
+            <a:blip r:embed="rId6">
+              <a:extLst>
+                <a:ext uri="{28A0092B-C50C-407E-A947-70E740481C1C}">
+                  <a14:useLocalDpi xmlns:a14="http://schemas.microsoft.com/office/drawing/2010/main" val="0"/>
+                </a:ext>
+                <a:ext uri="{96DAC541-7B7A-43D3-8B79-37D633B846F1}">
+                  <asvg:svgBlip xmlns:asvg="http://schemas.microsoft.com/office/drawing/2016/SVG/main" r:embed="rId7"/>
+                </a:ext>
+              </a:extLst>
+            </a:blip>
+            <a:srcRect l="35416" t="5469" r="35677" b="78385"/>
+            <a:stretch/>
+          </p:blipFill>
+          <p:spPr>
+            <a:xfrm>
+              <a:off x="6298944" y="3021806"/>
+              <a:ext cx="264319" cy="147638"/>
+            </a:xfrm>
+            <a:prstGeom prst="rect">
+              <a:avLst/>
+            </a:prstGeom>
+          </p:spPr>
+        </p:pic>
+        <p:pic>
+          <p:nvPicPr>
+            <p:cNvPr id="28" name="Graphic 27" descr="Succulent outline">
+              <a:extLst>
+                <a:ext uri="{FF2B5EF4-FFF2-40B4-BE49-F238E27FC236}">
+                  <a16:creationId xmlns:a16="http://schemas.microsoft.com/office/drawing/2014/main" id="{395289E2-12E1-2082-DE20-174B29A98255}"/>
+                </a:ext>
+              </a:extLst>
+            </p:cNvPr>
+            <p:cNvPicPr>
+              <a:picLocks noChangeAspect="1"/>
+            </p:cNvPicPr>
+            <p:nvPr/>
+          </p:nvPicPr>
+          <p:blipFill rotWithShape="1">
+            <a:blip r:embed="rId6">
+              <a:extLst>
+                <a:ext uri="{28A0092B-C50C-407E-A947-70E740481C1C}">
+                  <a14:useLocalDpi xmlns:a14="http://schemas.microsoft.com/office/drawing/2010/main" val="0"/>
+                </a:ext>
+                <a:ext uri="{96DAC541-7B7A-43D3-8B79-37D633B846F1}">
+                  <asvg:svgBlip xmlns:asvg="http://schemas.microsoft.com/office/drawing/2016/SVG/main" r:embed="rId7"/>
+                </a:ext>
+              </a:extLst>
+            </a:blip>
+            <a:srcRect l="35416" t="5469" r="35677" b="78385"/>
+            <a:stretch/>
+          </p:blipFill>
+          <p:spPr>
+            <a:xfrm>
+              <a:off x="6424912" y="3021806"/>
+              <a:ext cx="264319" cy="147638"/>
+            </a:xfrm>
+            <a:prstGeom prst="rect">
+              <a:avLst/>
+            </a:prstGeom>
+          </p:spPr>
+        </p:pic>
+        <p:pic>
+          <p:nvPicPr>
+            <p:cNvPr id="29" name="Graphic 28" descr="Succulent outline">
+              <a:extLst>
+                <a:ext uri="{FF2B5EF4-FFF2-40B4-BE49-F238E27FC236}">
+                  <a16:creationId xmlns:a16="http://schemas.microsoft.com/office/drawing/2014/main" id="{F660FC7D-72ED-707A-4282-6A4FA1D493E7}"/>
+                </a:ext>
+              </a:extLst>
+            </p:cNvPr>
+            <p:cNvPicPr>
+              <a:picLocks noChangeAspect="1"/>
+            </p:cNvPicPr>
+            <p:nvPr/>
+          </p:nvPicPr>
+          <p:blipFill rotWithShape="1">
+            <a:blip r:embed="rId6">
+              <a:extLst>
+                <a:ext uri="{28A0092B-C50C-407E-A947-70E740481C1C}">
+                  <a14:useLocalDpi xmlns:a14="http://schemas.microsoft.com/office/drawing/2010/main" val="0"/>
+                </a:ext>
+                <a:ext uri="{96DAC541-7B7A-43D3-8B79-37D633B846F1}">
+                  <asvg:svgBlip xmlns:asvg="http://schemas.microsoft.com/office/drawing/2016/SVG/main" r:embed="rId7"/>
+                </a:ext>
+              </a:extLst>
+            </a:blip>
+            <a:srcRect l="35416" t="5469" r="35677" b="78385"/>
+            <a:stretch/>
+          </p:blipFill>
+          <p:spPr>
+            <a:xfrm>
+              <a:off x="6494088" y="3021806"/>
+              <a:ext cx="264319" cy="147638"/>
+            </a:xfrm>
+            <a:prstGeom prst="rect">
+              <a:avLst/>
+            </a:prstGeom>
+          </p:spPr>
+        </p:pic>
+        <p:pic>
+          <p:nvPicPr>
+            <p:cNvPr id="30" name="Graphic 29" descr="Succulent outline">
+              <a:extLst>
+                <a:ext uri="{FF2B5EF4-FFF2-40B4-BE49-F238E27FC236}">
+                  <a16:creationId xmlns:a16="http://schemas.microsoft.com/office/drawing/2014/main" id="{A4A3D3A8-A0B3-3C48-0191-32D663059A3B}"/>
+                </a:ext>
+              </a:extLst>
+            </p:cNvPr>
+            <p:cNvPicPr>
+              <a:picLocks noChangeAspect="1"/>
+            </p:cNvPicPr>
+            <p:nvPr/>
+          </p:nvPicPr>
+          <p:blipFill rotWithShape="1">
+            <a:blip r:embed="rId6">
+              <a:extLst>
+                <a:ext uri="{28A0092B-C50C-407E-A947-70E740481C1C}">
+                  <a14:useLocalDpi xmlns:a14="http://schemas.microsoft.com/office/drawing/2010/main" val="0"/>
+                </a:ext>
+                <a:ext uri="{96DAC541-7B7A-43D3-8B79-37D633B846F1}">
+                  <asvg:svgBlip xmlns:asvg="http://schemas.microsoft.com/office/drawing/2016/SVG/main" r:embed="rId7"/>
+                </a:ext>
+              </a:extLst>
+            </a:blip>
+            <a:srcRect l="35416" t="5469" r="35677" b="78385"/>
+            <a:stretch/>
+          </p:blipFill>
+          <p:spPr>
+            <a:xfrm>
+              <a:off x="6579873" y="3021806"/>
+              <a:ext cx="264319" cy="147638"/>
+            </a:xfrm>
+            <a:prstGeom prst="rect">
+              <a:avLst/>
+            </a:prstGeom>
+          </p:spPr>
+        </p:pic>
+      </p:grpSp>
+      <p:grpSp>
+        <p:nvGrpSpPr>
+          <p:cNvPr id="31" name="Group 30">
+            <a:extLst>
+              <a:ext uri="{FF2B5EF4-FFF2-40B4-BE49-F238E27FC236}">
+                <a16:creationId xmlns:a16="http://schemas.microsoft.com/office/drawing/2014/main" id="{0FBA14F1-36F7-F419-CA37-2F92FAB66DB9}"/>
+              </a:ext>
+            </a:extLst>
+          </p:cNvPr>
+          <p:cNvGrpSpPr/>
+          <p:nvPr/>
+        </p:nvGrpSpPr>
+        <p:grpSpPr>
+          <a:xfrm>
+            <a:off x="8652929" y="3625395"/>
+            <a:ext cx="914400" cy="1622879"/>
+            <a:chOff x="8240165" y="3625395"/>
+            <a:chExt cx="914400" cy="1622879"/>
+          </a:xfrm>
+        </p:grpSpPr>
+        <p:pic>
+          <p:nvPicPr>
+            <p:cNvPr id="32" name="Graphic 31" descr="Plant With Roots outline">
+              <a:extLst>
+                <a:ext uri="{FF2B5EF4-FFF2-40B4-BE49-F238E27FC236}">
+                  <a16:creationId xmlns:a16="http://schemas.microsoft.com/office/drawing/2014/main" id="{2C11154B-DBDB-7265-6275-26224C418084}"/>
+                </a:ext>
+              </a:extLst>
+            </p:cNvPr>
+            <p:cNvPicPr>
+              <a:picLocks noChangeAspect="1"/>
+            </p:cNvPicPr>
+            <p:nvPr/>
+          </p:nvPicPr>
+          <p:blipFill>
+            <a:blip r:embed="rId4">
+              <a:extLst>
+                <a:ext uri="{28A0092B-C50C-407E-A947-70E740481C1C}">
+                  <a14:useLocalDpi xmlns:a14="http://schemas.microsoft.com/office/drawing/2010/main" val="0"/>
+                </a:ext>
+                <a:ext uri="{96DAC541-7B7A-43D3-8B79-37D633B846F1}">
+                  <asvg:svgBlip xmlns:asvg="http://schemas.microsoft.com/office/drawing/2016/SVG/main" r:embed="rId5"/>
+                </a:ext>
+              </a:extLst>
+            </a:blip>
+            <a:stretch>
+              <a:fillRect/>
+            </a:stretch>
+          </p:blipFill>
+          <p:spPr>
+            <a:xfrm>
+              <a:off x="8240165" y="3625395"/>
+              <a:ext cx="914400" cy="914400"/>
+            </a:xfrm>
+            <a:prstGeom prst="rect">
+              <a:avLst/>
+            </a:prstGeom>
+          </p:spPr>
+        </p:pic>
+        <p:pic>
+          <p:nvPicPr>
+            <p:cNvPr id="33" name="Graphic 32" descr="Plant With Roots outline">
+              <a:extLst>
+                <a:ext uri="{FF2B5EF4-FFF2-40B4-BE49-F238E27FC236}">
+                  <a16:creationId xmlns:a16="http://schemas.microsoft.com/office/drawing/2014/main" id="{F8C10E38-9842-9891-B928-A1A35E8380D2}"/>
+                </a:ext>
+              </a:extLst>
+            </p:cNvPr>
+            <p:cNvPicPr>
+              <a:picLocks noChangeAspect="1"/>
+            </p:cNvPicPr>
+            <p:nvPr/>
+          </p:nvPicPr>
+          <p:blipFill rotWithShape="1">
+            <a:blip r:embed="rId4">
+              <a:extLst>
+                <a:ext uri="{28A0092B-C50C-407E-A947-70E740481C1C}">
+                  <a14:useLocalDpi xmlns:a14="http://schemas.microsoft.com/office/drawing/2010/main" val="0"/>
+                </a:ext>
+                <a:ext uri="{96DAC541-7B7A-43D3-8B79-37D633B846F1}">
+                  <asvg:svgBlip xmlns:asvg="http://schemas.microsoft.com/office/drawing/2016/SVG/main" r:embed="rId5"/>
+                </a:ext>
+              </a:extLst>
+            </a:blip>
+            <a:srcRect t="62614"/>
+            <a:stretch/>
+          </p:blipFill>
+          <p:spPr>
+            <a:xfrm>
+              <a:off x="8240165" y="4241800"/>
+              <a:ext cx="914400" cy="1006474"/>
+            </a:xfrm>
+            <a:prstGeom prst="rect">
+              <a:avLst/>
+            </a:prstGeom>
+          </p:spPr>
+        </p:pic>
+      </p:grpSp>
+      <p:grpSp>
+        <p:nvGrpSpPr>
+          <p:cNvPr id="35" name="Group 34">
+            <a:extLst>
+              <a:ext uri="{FF2B5EF4-FFF2-40B4-BE49-F238E27FC236}">
+                <a16:creationId xmlns:a16="http://schemas.microsoft.com/office/drawing/2014/main" id="{82FB55E6-2FEC-62DE-16C3-A2C1D1DF8A0A}"/>
+              </a:ext>
+            </a:extLst>
+          </p:cNvPr>
+          <p:cNvGrpSpPr/>
+          <p:nvPr/>
+        </p:nvGrpSpPr>
+        <p:grpSpPr>
+          <a:xfrm>
+            <a:off x="9065120" y="3611876"/>
+            <a:ext cx="914400" cy="1622879"/>
+            <a:chOff x="8240165" y="3625395"/>
+            <a:chExt cx="914400" cy="1622879"/>
+          </a:xfrm>
+        </p:grpSpPr>
+        <p:pic>
+          <p:nvPicPr>
+            <p:cNvPr id="51" name="Graphic 50" descr="Plant With Roots outline">
+              <a:extLst>
+                <a:ext uri="{FF2B5EF4-FFF2-40B4-BE49-F238E27FC236}">
+                  <a16:creationId xmlns:a16="http://schemas.microsoft.com/office/drawing/2014/main" id="{3624E865-758C-CCF8-4FAD-66EB60F1BEFC}"/>
+                </a:ext>
+              </a:extLst>
+            </p:cNvPr>
+            <p:cNvPicPr>
+              <a:picLocks noChangeAspect="1"/>
+            </p:cNvPicPr>
+            <p:nvPr/>
+          </p:nvPicPr>
+          <p:blipFill>
+            <a:blip r:embed="rId4">
+              <a:extLst>
+                <a:ext uri="{28A0092B-C50C-407E-A947-70E740481C1C}">
+                  <a14:useLocalDpi xmlns:a14="http://schemas.microsoft.com/office/drawing/2010/main" val="0"/>
+                </a:ext>
+                <a:ext uri="{96DAC541-7B7A-43D3-8B79-37D633B846F1}">
+                  <asvg:svgBlip xmlns:asvg="http://schemas.microsoft.com/office/drawing/2016/SVG/main" r:embed="rId5"/>
+                </a:ext>
+              </a:extLst>
+            </a:blip>
+            <a:stretch>
+              <a:fillRect/>
+            </a:stretch>
+          </p:blipFill>
+          <p:spPr>
+            <a:xfrm>
+              <a:off x="8240165" y="3625395"/>
+              <a:ext cx="914400" cy="914400"/>
+            </a:xfrm>
+            <a:prstGeom prst="rect">
+              <a:avLst/>
+            </a:prstGeom>
+          </p:spPr>
+        </p:pic>
+        <p:pic>
+          <p:nvPicPr>
+            <p:cNvPr id="52" name="Graphic 51" descr="Plant With Roots outline">
+              <a:extLst>
+                <a:ext uri="{FF2B5EF4-FFF2-40B4-BE49-F238E27FC236}">
+                  <a16:creationId xmlns:a16="http://schemas.microsoft.com/office/drawing/2014/main" id="{FD490B30-C010-7D80-F3CA-DBF5C5396082}"/>
+                </a:ext>
+              </a:extLst>
+            </p:cNvPr>
+            <p:cNvPicPr>
+              <a:picLocks noChangeAspect="1"/>
+            </p:cNvPicPr>
+            <p:nvPr/>
+          </p:nvPicPr>
+          <p:blipFill rotWithShape="1">
+            <a:blip r:embed="rId4">
+              <a:extLst>
+                <a:ext uri="{28A0092B-C50C-407E-A947-70E740481C1C}">
+                  <a14:useLocalDpi xmlns:a14="http://schemas.microsoft.com/office/drawing/2010/main" val="0"/>
+                </a:ext>
+                <a:ext uri="{96DAC541-7B7A-43D3-8B79-37D633B846F1}">
+                  <asvg:svgBlip xmlns:asvg="http://schemas.microsoft.com/office/drawing/2016/SVG/main" r:embed="rId5"/>
+                </a:ext>
+              </a:extLst>
+            </a:blip>
+            <a:srcRect t="62614"/>
+            <a:stretch/>
+          </p:blipFill>
+          <p:spPr>
+            <a:xfrm>
+              <a:off x="8240165" y="4241800"/>
+              <a:ext cx="914400" cy="1006474"/>
+            </a:xfrm>
+            <a:prstGeom prst="rect">
+              <a:avLst/>
+            </a:prstGeom>
+          </p:spPr>
+        </p:pic>
+      </p:grpSp>
     </p:spTree>
     <p:extLst>
       <p:ext uri="{BB962C8B-B14F-4D97-AF65-F5344CB8AC3E}">
         <p14:creationId xmlns:p14="http://schemas.microsoft.com/office/powerpoint/2010/main" val="1896501986"/>
+      </p:ext>
+    </p:extLst>
+  </p:cSld>
+  <p:clrMapOvr>
+    <a:masterClrMapping/>
+  </p:clrMapOvr>
+</p:sld>
+</file>
+
+<file path=ppt/slides/slide2.xml><?xml version="1.0" encoding="utf-8"?>
+<p:sld xmlns:a="http://schemas.openxmlformats.org/drawingml/2006/main" xmlns:r="http://schemas.openxmlformats.org/officeDocument/2006/relationships" xmlns:p="http://schemas.openxmlformats.org/presentationml/2006/main">
+  <p:cSld>
+    <p:spTree>
+      <p:nvGrpSpPr>
+        <p:cNvPr id="1" name="">
+          <a:extLst>
+            <a:ext uri="{FF2B5EF4-FFF2-40B4-BE49-F238E27FC236}">
+              <a16:creationId xmlns:a16="http://schemas.microsoft.com/office/drawing/2014/main" id="{859FBAE4-F26C-4D9D-1B8B-788048FC9172}"/>
+            </a:ext>
+          </a:extLst>
+        </p:cNvPr>
+        <p:cNvGrpSpPr/>
+        <p:nvPr/>
+      </p:nvGrpSpPr>
+      <p:grpSpPr>
+        <a:xfrm>
+          <a:off x="0" y="0"/>
+          <a:ext cx="0" cy="0"/>
+          <a:chOff x="0" y="0"/>
+          <a:chExt cx="0" cy="0"/>
+        </a:xfrm>
+      </p:grpSpPr>
+      <p:sp>
+        <p:nvSpPr>
+          <p:cNvPr id="9" name="TextBox 8">
+            <a:extLst>
+              <a:ext uri="{FF2B5EF4-FFF2-40B4-BE49-F238E27FC236}">
+                <a16:creationId xmlns:a16="http://schemas.microsoft.com/office/drawing/2014/main" id="{49B58656-0643-4355-350A-33EB968DCE23}"/>
+              </a:ext>
+            </a:extLst>
+          </p:cNvPr>
+          <p:cNvSpPr txBox="1"/>
+          <p:nvPr/>
+        </p:nvSpPr>
+        <p:spPr>
+          <a:xfrm>
+            <a:off x="79900" y="943822"/>
+            <a:ext cx="1687065" cy="369332"/>
+          </a:xfrm>
+          <a:prstGeom prst="rect">
+            <a:avLst/>
+          </a:prstGeom>
+          <a:noFill/>
+        </p:spPr>
+        <p:txBody>
+          <a:bodyPr wrap="none" rtlCol="0">
+            <a:spAutoFit/>
+          </a:bodyPr>
+          <a:lstStyle/>
+          <a:p>
+            <a:r>
+              <a:rPr lang="en-NZ" dirty="0"/>
+              <a:t>crop/vegetation</a:t>
+            </a:r>
+          </a:p>
+        </p:txBody>
+      </p:sp>
+      <p:sp>
+        <p:nvSpPr>
+          <p:cNvPr id="10" name="TextBox 9">
+            <a:extLst>
+              <a:ext uri="{FF2B5EF4-FFF2-40B4-BE49-F238E27FC236}">
+                <a16:creationId xmlns:a16="http://schemas.microsoft.com/office/drawing/2014/main" id="{C90B05BC-D1F6-85B1-8737-3A3BF60A4CC1}"/>
+              </a:ext>
+            </a:extLst>
+          </p:cNvPr>
+          <p:cNvSpPr txBox="1"/>
+          <p:nvPr/>
+        </p:nvSpPr>
+        <p:spPr>
+          <a:xfrm>
+            <a:off x="0" y="1447628"/>
+            <a:ext cx="1703223" cy="369332"/>
+          </a:xfrm>
+          <a:prstGeom prst="rect">
+            <a:avLst/>
+          </a:prstGeom>
+          <a:noFill/>
+        </p:spPr>
+        <p:txBody>
+          <a:bodyPr wrap="none" rtlCol="0">
+            <a:spAutoFit/>
+          </a:bodyPr>
+          <a:lstStyle/>
+          <a:p>
+            <a:r>
+              <a:rPr lang="en-NZ" dirty="0"/>
+              <a:t>surface residues</a:t>
+            </a:r>
+          </a:p>
+        </p:txBody>
+      </p:sp>
+      <p:sp>
+        <p:nvSpPr>
+          <p:cNvPr id="11" name="TextBox 10">
+            <a:extLst>
+              <a:ext uri="{FF2B5EF4-FFF2-40B4-BE49-F238E27FC236}">
+                <a16:creationId xmlns:a16="http://schemas.microsoft.com/office/drawing/2014/main" id="{38021C64-15B8-0E61-0EDD-9B09B9A15506}"/>
+              </a:ext>
+            </a:extLst>
+          </p:cNvPr>
+          <p:cNvSpPr txBox="1"/>
+          <p:nvPr/>
+        </p:nvSpPr>
+        <p:spPr>
+          <a:xfrm>
+            <a:off x="109511" y="3370592"/>
+            <a:ext cx="1766966" cy="923330"/>
+          </a:xfrm>
+          <a:prstGeom prst="rect">
+            <a:avLst/>
+          </a:prstGeom>
+          <a:noFill/>
+        </p:spPr>
+        <p:txBody>
+          <a:bodyPr wrap="square" rtlCol="0">
+            <a:spAutoFit/>
+          </a:bodyPr>
+          <a:lstStyle/>
+          <a:p>
+            <a:r>
+              <a:rPr lang="en-NZ" dirty="0"/>
+              <a:t>soil in multiple layers of varying properties</a:t>
+            </a:r>
+          </a:p>
+        </p:txBody>
+      </p:sp>
+      <p:sp>
+        <p:nvSpPr>
+          <p:cNvPr id="12" name="TextBox 11">
+            <a:extLst>
+              <a:ext uri="{FF2B5EF4-FFF2-40B4-BE49-F238E27FC236}">
+                <a16:creationId xmlns:a16="http://schemas.microsoft.com/office/drawing/2014/main" id="{11E0CB3F-1D0C-ED70-0DAB-267495469F26}"/>
+              </a:ext>
+            </a:extLst>
+          </p:cNvPr>
+          <p:cNvSpPr txBox="1"/>
+          <p:nvPr/>
+        </p:nvSpPr>
+        <p:spPr>
+          <a:xfrm>
+            <a:off x="79900" y="5125609"/>
+            <a:ext cx="1766966" cy="646331"/>
+          </a:xfrm>
+          <a:prstGeom prst="rect">
+            <a:avLst/>
+          </a:prstGeom>
+          <a:noFill/>
+        </p:spPr>
+        <p:txBody>
+          <a:bodyPr wrap="square" rtlCol="0">
+            <a:spAutoFit/>
+          </a:bodyPr>
+          <a:lstStyle/>
+          <a:p>
+            <a:r>
+              <a:rPr lang="en-NZ" dirty="0"/>
+              <a:t>soil not formally modelled</a:t>
+            </a:r>
+          </a:p>
+        </p:txBody>
+      </p:sp>
+      <p:sp>
+        <p:nvSpPr>
+          <p:cNvPr id="13" name="TextBox 12">
+            <a:extLst>
+              <a:ext uri="{FF2B5EF4-FFF2-40B4-BE49-F238E27FC236}">
+                <a16:creationId xmlns:a16="http://schemas.microsoft.com/office/drawing/2014/main" id="{65EB3554-3DA3-8424-8380-06F07C4EA13C}"/>
+              </a:ext>
+            </a:extLst>
+          </p:cNvPr>
+          <p:cNvSpPr txBox="1"/>
+          <p:nvPr/>
+        </p:nvSpPr>
+        <p:spPr>
+          <a:xfrm>
+            <a:off x="39949" y="6057647"/>
+            <a:ext cx="1766966" cy="646331"/>
+          </a:xfrm>
+          <a:prstGeom prst="rect">
+            <a:avLst/>
+          </a:prstGeom>
+          <a:noFill/>
+        </p:spPr>
+        <p:txBody>
+          <a:bodyPr wrap="square" rtlCol="0">
+            <a:spAutoFit/>
+          </a:bodyPr>
+          <a:lstStyle/>
+          <a:p>
+            <a:r>
+              <a:rPr lang="en-NZ" dirty="0"/>
+              <a:t>20 m - constant temperature</a:t>
+            </a:r>
+          </a:p>
+        </p:txBody>
+      </p:sp>
+      <p:sp>
+        <p:nvSpPr>
+          <p:cNvPr id="27" name="TextBox 26">
+            <a:extLst>
+              <a:ext uri="{FF2B5EF4-FFF2-40B4-BE49-F238E27FC236}">
+                <a16:creationId xmlns:a16="http://schemas.microsoft.com/office/drawing/2014/main" id="{A582D7F8-AD4F-B60B-C080-76A6DF46AFD6}"/>
+              </a:ext>
+            </a:extLst>
+          </p:cNvPr>
+          <p:cNvSpPr txBox="1"/>
+          <p:nvPr/>
+        </p:nvSpPr>
+        <p:spPr>
+          <a:xfrm>
+            <a:off x="79900" y="440016"/>
+            <a:ext cx="766557" cy="369332"/>
+          </a:xfrm>
+          <a:prstGeom prst="rect">
+            <a:avLst/>
+          </a:prstGeom>
+          <a:noFill/>
+        </p:spPr>
+        <p:txBody>
+          <a:bodyPr wrap="none" rtlCol="0">
+            <a:spAutoFit/>
+          </a:bodyPr>
+          <a:lstStyle/>
+          <a:p>
+            <a:r>
+              <a:rPr lang="en-NZ" dirty="0"/>
+              <a:t>1.2 m </a:t>
+            </a:r>
+          </a:p>
+        </p:txBody>
+      </p:sp>
+      <p:sp>
+        <p:nvSpPr>
+          <p:cNvPr id="34" name="Hexagon 33">
+            <a:extLst>
+              <a:ext uri="{FF2B5EF4-FFF2-40B4-BE49-F238E27FC236}">
+                <a16:creationId xmlns:a16="http://schemas.microsoft.com/office/drawing/2014/main" id="{96F8709F-616A-5E09-9F73-6000BC6119BF}"/>
+              </a:ext>
+            </a:extLst>
+          </p:cNvPr>
+          <p:cNvSpPr/>
+          <p:nvPr/>
+        </p:nvSpPr>
+        <p:spPr>
+          <a:xfrm>
+            <a:off x="3752555" y="4936851"/>
+            <a:ext cx="218987" cy="175174"/>
+          </a:xfrm>
+          <a:prstGeom prst="hexagon">
+            <a:avLst/>
+          </a:prstGeom>
+        </p:spPr>
+        <p:style>
+          <a:lnRef idx="2">
+            <a:schemeClr val="accent1">
+              <a:shade val="15000"/>
+            </a:schemeClr>
+          </a:lnRef>
+          <a:fillRef idx="1">
+            <a:schemeClr val="accent1"/>
+          </a:fillRef>
+          <a:effectRef idx="0">
+            <a:schemeClr val="accent1"/>
+          </a:effectRef>
+          <a:fontRef idx="minor">
+            <a:schemeClr val="lt1"/>
+          </a:fontRef>
+        </p:style>
+        <p:txBody>
+          <a:bodyPr rtlCol="0" anchor="ctr"/>
+          <a:lstStyle/>
+          <a:p>
+            <a:pPr algn="ctr"/>
+            <a:endParaRPr lang="en-NZ"/>
+          </a:p>
+        </p:txBody>
+      </p:sp>
+      <p:sp>
+        <p:nvSpPr>
+          <p:cNvPr id="36" name="Hexagon 35">
+            <a:extLst>
+              <a:ext uri="{FF2B5EF4-FFF2-40B4-BE49-F238E27FC236}">
+                <a16:creationId xmlns:a16="http://schemas.microsoft.com/office/drawing/2014/main" id="{226A5E44-9EA3-C08F-9EEC-1CD65C54864C}"/>
+              </a:ext>
+            </a:extLst>
+          </p:cNvPr>
+          <p:cNvSpPr/>
+          <p:nvPr/>
+        </p:nvSpPr>
+        <p:spPr>
+          <a:xfrm>
+            <a:off x="3752555" y="4512988"/>
+            <a:ext cx="218987" cy="175174"/>
+          </a:xfrm>
+          <a:prstGeom prst="hexagon">
+            <a:avLst/>
+          </a:prstGeom>
+        </p:spPr>
+        <p:style>
+          <a:lnRef idx="2">
+            <a:schemeClr val="accent1">
+              <a:shade val="15000"/>
+            </a:schemeClr>
+          </a:lnRef>
+          <a:fillRef idx="1">
+            <a:schemeClr val="accent1"/>
+          </a:fillRef>
+          <a:effectRef idx="0">
+            <a:schemeClr val="accent1"/>
+          </a:effectRef>
+          <a:fontRef idx="minor">
+            <a:schemeClr val="lt1"/>
+          </a:fontRef>
+        </p:style>
+        <p:txBody>
+          <a:bodyPr rtlCol="0" anchor="ctr"/>
+          <a:lstStyle/>
+          <a:p>
+            <a:pPr algn="ctr"/>
+            <a:endParaRPr lang="en-NZ"/>
+          </a:p>
+        </p:txBody>
+      </p:sp>
+      <p:sp>
+        <p:nvSpPr>
+          <p:cNvPr id="37" name="Hexagon 36">
+            <a:extLst>
+              <a:ext uri="{FF2B5EF4-FFF2-40B4-BE49-F238E27FC236}">
+                <a16:creationId xmlns:a16="http://schemas.microsoft.com/office/drawing/2014/main" id="{5FDF770D-1204-6CE7-A349-712E20A9576D}"/>
+              </a:ext>
+            </a:extLst>
+          </p:cNvPr>
+          <p:cNvSpPr/>
+          <p:nvPr/>
+        </p:nvSpPr>
+        <p:spPr>
+          <a:xfrm>
+            <a:off x="3752555" y="3510774"/>
+            <a:ext cx="218987" cy="175174"/>
+          </a:xfrm>
+          <a:prstGeom prst="hexagon">
+            <a:avLst/>
+          </a:prstGeom>
+        </p:spPr>
+        <p:style>
+          <a:lnRef idx="2">
+            <a:schemeClr val="accent1">
+              <a:shade val="15000"/>
+            </a:schemeClr>
+          </a:lnRef>
+          <a:fillRef idx="1">
+            <a:schemeClr val="accent1"/>
+          </a:fillRef>
+          <a:effectRef idx="0">
+            <a:schemeClr val="accent1"/>
+          </a:effectRef>
+          <a:fontRef idx="minor">
+            <a:schemeClr val="lt1"/>
+          </a:fontRef>
+        </p:style>
+        <p:txBody>
+          <a:bodyPr rtlCol="0" anchor="ctr"/>
+          <a:lstStyle/>
+          <a:p>
+            <a:pPr algn="ctr"/>
+            <a:endParaRPr lang="en-NZ"/>
+          </a:p>
+        </p:txBody>
+      </p:sp>
+      <p:sp>
+        <p:nvSpPr>
+          <p:cNvPr id="38" name="Hexagon 37">
+            <a:extLst>
+              <a:ext uri="{FF2B5EF4-FFF2-40B4-BE49-F238E27FC236}">
+                <a16:creationId xmlns:a16="http://schemas.microsoft.com/office/drawing/2014/main" id="{FED50B42-6926-CCB8-3D7B-914B1BA67885}"/>
+              </a:ext>
+            </a:extLst>
+          </p:cNvPr>
+          <p:cNvSpPr/>
+          <p:nvPr/>
+        </p:nvSpPr>
+        <p:spPr>
+          <a:xfrm>
+            <a:off x="3752555" y="2622338"/>
+            <a:ext cx="218987" cy="175174"/>
+          </a:xfrm>
+          <a:prstGeom prst="hexagon">
+            <a:avLst/>
+          </a:prstGeom>
+        </p:spPr>
+        <p:style>
+          <a:lnRef idx="2">
+            <a:schemeClr val="accent1">
+              <a:shade val="15000"/>
+            </a:schemeClr>
+          </a:lnRef>
+          <a:fillRef idx="1">
+            <a:schemeClr val="accent1"/>
+          </a:fillRef>
+          <a:effectRef idx="0">
+            <a:schemeClr val="accent1"/>
+          </a:effectRef>
+          <a:fontRef idx="minor">
+            <a:schemeClr val="lt1"/>
+          </a:fontRef>
+        </p:style>
+        <p:txBody>
+          <a:bodyPr rtlCol="0" anchor="ctr"/>
+          <a:lstStyle/>
+          <a:p>
+            <a:pPr algn="ctr"/>
+            <a:endParaRPr lang="en-NZ"/>
+          </a:p>
+        </p:txBody>
+      </p:sp>
+      <p:sp>
+        <p:nvSpPr>
+          <p:cNvPr id="39" name="Hexagon 38">
+            <a:extLst>
+              <a:ext uri="{FF2B5EF4-FFF2-40B4-BE49-F238E27FC236}">
+                <a16:creationId xmlns:a16="http://schemas.microsoft.com/office/drawing/2014/main" id="{DF7C31B1-B9DB-80E9-3759-C6A4CFABF639}"/>
+              </a:ext>
+            </a:extLst>
+          </p:cNvPr>
+          <p:cNvSpPr/>
+          <p:nvPr/>
+        </p:nvSpPr>
+        <p:spPr>
+          <a:xfrm>
+            <a:off x="3752555" y="1985637"/>
+            <a:ext cx="218987" cy="175174"/>
+          </a:xfrm>
+          <a:prstGeom prst="hexagon">
+            <a:avLst/>
+          </a:prstGeom>
+        </p:spPr>
+        <p:style>
+          <a:lnRef idx="2">
+            <a:schemeClr val="accent1">
+              <a:shade val="15000"/>
+            </a:schemeClr>
+          </a:lnRef>
+          <a:fillRef idx="1">
+            <a:schemeClr val="accent1"/>
+          </a:fillRef>
+          <a:effectRef idx="0">
+            <a:schemeClr val="accent1"/>
+          </a:effectRef>
+          <a:fontRef idx="minor">
+            <a:schemeClr val="lt1"/>
+          </a:fontRef>
+        </p:style>
+        <p:txBody>
+          <a:bodyPr rtlCol="0" anchor="ctr"/>
+          <a:lstStyle/>
+          <a:p>
+            <a:pPr algn="ctr"/>
+            <a:endParaRPr lang="en-NZ"/>
+          </a:p>
+        </p:txBody>
+      </p:sp>
+      <p:sp>
+        <p:nvSpPr>
+          <p:cNvPr id="40" name="Hexagon 39">
+            <a:extLst>
+              <a:ext uri="{FF2B5EF4-FFF2-40B4-BE49-F238E27FC236}">
+                <a16:creationId xmlns:a16="http://schemas.microsoft.com/office/drawing/2014/main" id="{AD9C4F46-5A36-83C7-77BB-28AF49FE38EC}"/>
+              </a:ext>
+            </a:extLst>
+          </p:cNvPr>
+          <p:cNvSpPr/>
+          <p:nvPr/>
+        </p:nvSpPr>
+        <p:spPr>
+          <a:xfrm>
+            <a:off x="3752555" y="1707711"/>
+            <a:ext cx="218987" cy="175174"/>
+          </a:xfrm>
+          <a:prstGeom prst="hexagon">
+            <a:avLst/>
+          </a:prstGeom>
+        </p:spPr>
+        <p:style>
+          <a:lnRef idx="2">
+            <a:schemeClr val="accent1">
+              <a:shade val="15000"/>
+            </a:schemeClr>
+          </a:lnRef>
+          <a:fillRef idx="1">
+            <a:schemeClr val="accent1"/>
+          </a:fillRef>
+          <a:effectRef idx="0">
+            <a:schemeClr val="accent1"/>
+          </a:effectRef>
+          <a:fontRef idx="minor">
+            <a:schemeClr val="lt1"/>
+          </a:fontRef>
+        </p:style>
+        <p:txBody>
+          <a:bodyPr rtlCol="0" anchor="ctr"/>
+          <a:lstStyle/>
+          <a:p>
+            <a:pPr algn="ctr"/>
+            <a:endParaRPr lang="en-NZ"/>
+          </a:p>
+        </p:txBody>
+      </p:sp>
+      <p:sp>
+        <p:nvSpPr>
+          <p:cNvPr id="41" name="Hexagon 40">
+            <a:extLst>
+              <a:ext uri="{FF2B5EF4-FFF2-40B4-BE49-F238E27FC236}">
+                <a16:creationId xmlns:a16="http://schemas.microsoft.com/office/drawing/2014/main" id="{3D2FAF54-F7E7-8FB0-AF3D-2888B2EA2983}"/>
+              </a:ext>
+            </a:extLst>
+          </p:cNvPr>
+          <p:cNvSpPr/>
+          <p:nvPr/>
+        </p:nvSpPr>
+        <p:spPr>
+          <a:xfrm>
+            <a:off x="3752555" y="1320606"/>
+            <a:ext cx="218987" cy="175174"/>
+          </a:xfrm>
+          <a:prstGeom prst="hexagon">
+            <a:avLst/>
+          </a:prstGeom>
+          <a:solidFill>
+            <a:schemeClr val="accent1">
+              <a:lumMod val="40000"/>
+              <a:lumOff val="60000"/>
+            </a:schemeClr>
+          </a:solidFill>
+        </p:spPr>
+        <p:style>
+          <a:lnRef idx="2">
+            <a:schemeClr val="accent1">
+              <a:shade val="15000"/>
+            </a:schemeClr>
+          </a:lnRef>
+          <a:fillRef idx="1">
+            <a:schemeClr val="accent1"/>
+          </a:fillRef>
+          <a:effectRef idx="0">
+            <a:schemeClr val="accent1"/>
+          </a:effectRef>
+          <a:fontRef idx="minor">
+            <a:schemeClr val="lt1"/>
+          </a:fontRef>
+        </p:style>
+        <p:txBody>
+          <a:bodyPr rtlCol="0" anchor="ctr"/>
+          <a:lstStyle/>
+          <a:p>
+            <a:pPr algn="ctr"/>
+            <a:endParaRPr lang="en-NZ"/>
+          </a:p>
+        </p:txBody>
+      </p:sp>
+      <p:sp>
+        <p:nvSpPr>
+          <p:cNvPr id="42" name="Hexagon 41">
+            <a:extLst>
+              <a:ext uri="{FF2B5EF4-FFF2-40B4-BE49-F238E27FC236}">
+                <a16:creationId xmlns:a16="http://schemas.microsoft.com/office/drawing/2014/main" id="{3D260782-9DD2-9315-8C5A-894A1CC07084}"/>
+              </a:ext>
+            </a:extLst>
+          </p:cNvPr>
+          <p:cNvSpPr/>
+          <p:nvPr/>
+        </p:nvSpPr>
+        <p:spPr>
+          <a:xfrm>
+            <a:off x="3752555" y="5204547"/>
+            <a:ext cx="218987" cy="175174"/>
+          </a:xfrm>
+          <a:prstGeom prst="hexagon">
+            <a:avLst/>
+          </a:prstGeom>
+          <a:solidFill>
+            <a:schemeClr val="accent1">
+              <a:lumMod val="40000"/>
+              <a:lumOff val="60000"/>
+            </a:schemeClr>
+          </a:solidFill>
+        </p:spPr>
+        <p:style>
+          <a:lnRef idx="2">
+            <a:schemeClr val="accent1">
+              <a:shade val="15000"/>
+            </a:schemeClr>
+          </a:lnRef>
+          <a:fillRef idx="1">
+            <a:schemeClr val="accent1"/>
+          </a:fillRef>
+          <a:effectRef idx="0">
+            <a:schemeClr val="accent1"/>
+          </a:effectRef>
+          <a:fontRef idx="minor">
+            <a:schemeClr val="lt1"/>
+          </a:fontRef>
+        </p:style>
+        <p:txBody>
+          <a:bodyPr rtlCol="0" anchor="ctr"/>
+          <a:lstStyle/>
+          <a:p>
+            <a:pPr algn="ctr"/>
+            <a:endParaRPr lang="en-NZ"/>
+          </a:p>
+        </p:txBody>
+      </p:sp>
+      <p:sp>
+        <p:nvSpPr>
+          <p:cNvPr id="43" name="Hexagon 42">
+            <a:extLst>
+              <a:ext uri="{FF2B5EF4-FFF2-40B4-BE49-F238E27FC236}">
+                <a16:creationId xmlns:a16="http://schemas.microsoft.com/office/drawing/2014/main" id="{0B982D54-0944-61BE-E64A-B6B2824DD95E}"/>
+              </a:ext>
+            </a:extLst>
+          </p:cNvPr>
+          <p:cNvSpPr/>
+          <p:nvPr/>
+        </p:nvSpPr>
+        <p:spPr>
+          <a:xfrm>
+            <a:off x="3752555" y="5510343"/>
+            <a:ext cx="218987" cy="175174"/>
+          </a:xfrm>
+          <a:prstGeom prst="hexagon">
+            <a:avLst/>
+          </a:prstGeom>
+          <a:solidFill>
+            <a:schemeClr val="accent1">
+              <a:lumMod val="40000"/>
+              <a:lumOff val="60000"/>
+            </a:schemeClr>
+          </a:solidFill>
+        </p:spPr>
+        <p:style>
+          <a:lnRef idx="2">
+            <a:schemeClr val="accent1">
+              <a:shade val="15000"/>
+            </a:schemeClr>
+          </a:lnRef>
+          <a:fillRef idx="1">
+            <a:schemeClr val="accent1"/>
+          </a:fillRef>
+          <a:effectRef idx="0">
+            <a:schemeClr val="accent1"/>
+          </a:effectRef>
+          <a:fontRef idx="minor">
+            <a:schemeClr val="lt1"/>
+          </a:fontRef>
+        </p:style>
+        <p:txBody>
+          <a:bodyPr rtlCol="0" anchor="ctr"/>
+          <a:lstStyle/>
+          <a:p>
+            <a:pPr algn="ctr"/>
+            <a:endParaRPr lang="en-NZ"/>
+          </a:p>
+        </p:txBody>
+      </p:sp>
+      <p:sp>
+        <p:nvSpPr>
+          <p:cNvPr id="44" name="Hexagon 43">
+            <a:extLst>
+              <a:ext uri="{FF2B5EF4-FFF2-40B4-BE49-F238E27FC236}">
+                <a16:creationId xmlns:a16="http://schemas.microsoft.com/office/drawing/2014/main" id="{2B416A70-265D-E19A-74F7-1C9AB97E20F4}"/>
+              </a:ext>
+            </a:extLst>
+          </p:cNvPr>
+          <p:cNvSpPr/>
+          <p:nvPr/>
+        </p:nvSpPr>
+        <p:spPr>
+          <a:xfrm>
+            <a:off x="3752555" y="6293225"/>
+            <a:ext cx="218987" cy="175174"/>
+          </a:xfrm>
+          <a:prstGeom prst="hexagon">
+            <a:avLst/>
+          </a:prstGeom>
+          <a:solidFill>
+            <a:schemeClr val="accent1">
+              <a:lumMod val="40000"/>
+              <a:lumOff val="60000"/>
+            </a:schemeClr>
+          </a:solidFill>
+        </p:spPr>
+        <p:style>
+          <a:lnRef idx="2">
+            <a:schemeClr val="accent1">
+              <a:shade val="15000"/>
+            </a:schemeClr>
+          </a:lnRef>
+          <a:fillRef idx="1">
+            <a:schemeClr val="accent1"/>
+          </a:fillRef>
+          <a:effectRef idx="0">
+            <a:schemeClr val="accent1"/>
+          </a:effectRef>
+          <a:fontRef idx="minor">
+            <a:schemeClr val="lt1"/>
+          </a:fontRef>
+        </p:style>
+        <p:txBody>
+          <a:bodyPr rtlCol="0" anchor="ctr"/>
+          <a:lstStyle/>
+          <a:p>
+            <a:pPr algn="ctr"/>
+            <a:endParaRPr lang="en-NZ"/>
+          </a:p>
+        </p:txBody>
+      </p:sp>
+      <p:sp>
+        <p:nvSpPr>
+          <p:cNvPr id="45" name="Hexagon 44">
+            <a:extLst>
+              <a:ext uri="{FF2B5EF4-FFF2-40B4-BE49-F238E27FC236}">
+                <a16:creationId xmlns:a16="http://schemas.microsoft.com/office/drawing/2014/main" id="{F460E220-F55F-F878-C3E8-2C771F10127E}"/>
+              </a:ext>
+            </a:extLst>
+          </p:cNvPr>
+          <p:cNvSpPr/>
+          <p:nvPr/>
+        </p:nvSpPr>
+        <p:spPr>
+          <a:xfrm>
+            <a:off x="3752555" y="5771940"/>
+            <a:ext cx="218987" cy="175174"/>
+          </a:xfrm>
+          <a:prstGeom prst="hexagon">
+            <a:avLst/>
+          </a:prstGeom>
+          <a:solidFill>
+            <a:schemeClr val="accent1">
+              <a:lumMod val="40000"/>
+              <a:lumOff val="60000"/>
+            </a:schemeClr>
+          </a:solidFill>
+        </p:spPr>
+        <p:style>
+          <a:lnRef idx="2">
+            <a:schemeClr val="accent1">
+              <a:shade val="15000"/>
+            </a:schemeClr>
+          </a:lnRef>
+          <a:fillRef idx="1">
+            <a:schemeClr val="accent1"/>
+          </a:fillRef>
+          <a:effectRef idx="0">
+            <a:schemeClr val="accent1"/>
+          </a:effectRef>
+          <a:fontRef idx="minor">
+            <a:schemeClr val="lt1"/>
+          </a:fontRef>
+        </p:style>
+        <p:txBody>
+          <a:bodyPr rtlCol="0" anchor="ctr"/>
+          <a:lstStyle/>
+          <a:p>
+            <a:pPr algn="ctr"/>
+            <a:endParaRPr lang="en-NZ"/>
+          </a:p>
+        </p:txBody>
+      </p:sp>
+      <p:sp>
+        <p:nvSpPr>
+          <p:cNvPr id="46" name="Hexagon 45">
+            <a:extLst>
+              <a:ext uri="{FF2B5EF4-FFF2-40B4-BE49-F238E27FC236}">
+                <a16:creationId xmlns:a16="http://schemas.microsoft.com/office/drawing/2014/main" id="{A9C6DADE-43D6-EADA-127F-3DC2A05F88AB}"/>
+              </a:ext>
+            </a:extLst>
+          </p:cNvPr>
+          <p:cNvSpPr/>
+          <p:nvPr/>
+        </p:nvSpPr>
+        <p:spPr>
+          <a:xfrm>
+            <a:off x="3752555" y="6038640"/>
+            <a:ext cx="218987" cy="175174"/>
+          </a:xfrm>
+          <a:prstGeom prst="hexagon">
+            <a:avLst/>
+          </a:prstGeom>
+          <a:solidFill>
+            <a:schemeClr val="accent1">
+              <a:lumMod val="40000"/>
+              <a:lumOff val="60000"/>
+            </a:schemeClr>
+          </a:solidFill>
+        </p:spPr>
+        <p:style>
+          <a:lnRef idx="2">
+            <a:schemeClr val="accent1">
+              <a:shade val="15000"/>
+            </a:schemeClr>
+          </a:lnRef>
+          <a:fillRef idx="1">
+            <a:schemeClr val="accent1"/>
+          </a:fillRef>
+          <a:effectRef idx="0">
+            <a:schemeClr val="accent1"/>
+          </a:effectRef>
+          <a:fontRef idx="minor">
+            <a:schemeClr val="lt1"/>
+          </a:fontRef>
+        </p:style>
+        <p:txBody>
+          <a:bodyPr rtlCol="0" anchor="ctr"/>
+          <a:lstStyle/>
+          <a:p>
+            <a:pPr algn="ctr"/>
+            <a:endParaRPr lang="en-NZ"/>
+          </a:p>
+        </p:txBody>
+      </p:sp>
+      <p:sp>
+        <p:nvSpPr>
+          <p:cNvPr id="47" name="Hexagon 46">
+            <a:extLst>
+              <a:ext uri="{FF2B5EF4-FFF2-40B4-BE49-F238E27FC236}">
+                <a16:creationId xmlns:a16="http://schemas.microsoft.com/office/drawing/2014/main" id="{A574D42D-4BCE-B05F-DE77-E385505203F4}"/>
+              </a:ext>
+            </a:extLst>
+          </p:cNvPr>
+          <p:cNvSpPr/>
+          <p:nvPr/>
+        </p:nvSpPr>
+        <p:spPr>
+          <a:xfrm>
+            <a:off x="5649935" y="537095"/>
+            <a:ext cx="218987" cy="175174"/>
+          </a:xfrm>
+          <a:prstGeom prst="hexagon">
+            <a:avLst/>
+          </a:prstGeom>
+        </p:spPr>
+        <p:style>
+          <a:lnRef idx="2">
+            <a:schemeClr val="accent1">
+              <a:shade val="15000"/>
+            </a:schemeClr>
+          </a:lnRef>
+          <a:fillRef idx="1">
+            <a:schemeClr val="accent1"/>
+          </a:fillRef>
+          <a:effectRef idx="0">
+            <a:schemeClr val="accent1"/>
+          </a:effectRef>
+          <a:fontRef idx="minor">
+            <a:schemeClr val="lt1"/>
+          </a:fontRef>
+        </p:style>
+        <p:txBody>
+          <a:bodyPr rtlCol="0" anchor="ctr"/>
+          <a:lstStyle/>
+          <a:p>
+            <a:pPr algn="ctr"/>
+            <a:endParaRPr lang="en-NZ"/>
+          </a:p>
+        </p:txBody>
+      </p:sp>
+      <p:sp>
+        <p:nvSpPr>
+          <p:cNvPr id="48" name="Hexagon 47">
+            <a:extLst>
+              <a:ext uri="{FF2B5EF4-FFF2-40B4-BE49-F238E27FC236}">
+                <a16:creationId xmlns:a16="http://schemas.microsoft.com/office/drawing/2014/main" id="{6ED10337-6178-C4CD-9FE9-6173B1ABAAFD}"/>
+              </a:ext>
+            </a:extLst>
+          </p:cNvPr>
+          <p:cNvSpPr/>
+          <p:nvPr/>
+        </p:nvSpPr>
+        <p:spPr>
+          <a:xfrm>
+            <a:off x="5649935" y="943822"/>
+            <a:ext cx="218987" cy="175174"/>
+          </a:xfrm>
+          <a:prstGeom prst="hexagon">
+            <a:avLst/>
+          </a:prstGeom>
+          <a:solidFill>
+            <a:schemeClr val="accent1">
+              <a:lumMod val="40000"/>
+              <a:lumOff val="60000"/>
+            </a:schemeClr>
+          </a:solidFill>
+        </p:spPr>
+        <p:style>
+          <a:lnRef idx="2">
+            <a:schemeClr val="accent1">
+              <a:shade val="15000"/>
+            </a:schemeClr>
+          </a:lnRef>
+          <a:fillRef idx="1">
+            <a:schemeClr val="accent1"/>
+          </a:fillRef>
+          <a:effectRef idx="0">
+            <a:schemeClr val="accent1"/>
+          </a:effectRef>
+          <a:fontRef idx="minor">
+            <a:schemeClr val="lt1"/>
+          </a:fontRef>
+        </p:style>
+        <p:txBody>
+          <a:bodyPr rtlCol="0" anchor="ctr"/>
+          <a:lstStyle/>
+          <a:p>
+            <a:pPr algn="ctr"/>
+            <a:endParaRPr lang="en-NZ"/>
+          </a:p>
+        </p:txBody>
+      </p:sp>
+      <p:sp>
+        <p:nvSpPr>
+          <p:cNvPr id="49" name="TextBox 48">
+            <a:extLst>
+              <a:ext uri="{FF2B5EF4-FFF2-40B4-BE49-F238E27FC236}">
+                <a16:creationId xmlns:a16="http://schemas.microsoft.com/office/drawing/2014/main" id="{E4485DEA-7CAD-69C5-5008-E34E7B779A6F}"/>
+              </a:ext>
+            </a:extLst>
+          </p:cNvPr>
+          <p:cNvSpPr txBox="1"/>
+          <p:nvPr/>
+        </p:nvSpPr>
+        <p:spPr>
+          <a:xfrm>
+            <a:off x="5868922" y="440016"/>
+            <a:ext cx="3285643" cy="369332"/>
+          </a:xfrm>
+          <a:prstGeom prst="rect">
+            <a:avLst/>
+          </a:prstGeom>
+          <a:noFill/>
+        </p:spPr>
+        <p:txBody>
+          <a:bodyPr wrap="none" rtlCol="0">
+            <a:spAutoFit/>
+          </a:bodyPr>
+          <a:lstStyle/>
+          <a:p>
+            <a:r>
+              <a:rPr lang="en-NZ" dirty="0"/>
+              <a:t>node in the numerical simulation</a:t>
+            </a:r>
+          </a:p>
+        </p:txBody>
+      </p:sp>
+      <p:sp>
+        <p:nvSpPr>
+          <p:cNvPr id="50" name="TextBox 49">
+            <a:extLst>
+              <a:ext uri="{FF2B5EF4-FFF2-40B4-BE49-F238E27FC236}">
+                <a16:creationId xmlns:a16="http://schemas.microsoft.com/office/drawing/2014/main" id="{73C2D933-2493-3910-E1D3-3D3FB2A42CA1}"/>
+              </a:ext>
+            </a:extLst>
+          </p:cNvPr>
+          <p:cNvSpPr txBox="1"/>
+          <p:nvPr/>
+        </p:nvSpPr>
+        <p:spPr>
+          <a:xfrm>
+            <a:off x="5868922" y="846743"/>
+            <a:ext cx="3525965" cy="369332"/>
+          </a:xfrm>
+          <a:prstGeom prst="rect">
+            <a:avLst/>
+          </a:prstGeom>
+          <a:noFill/>
+        </p:spPr>
+        <p:txBody>
+          <a:bodyPr wrap="none" rtlCol="0">
+            <a:spAutoFit/>
+          </a:bodyPr>
+          <a:lstStyle/>
+          <a:p>
+            <a:r>
+              <a:rPr lang="en-NZ" dirty="0"/>
+              <a:t>phantom node (not visible to users)</a:t>
+            </a:r>
+          </a:p>
+        </p:txBody>
+      </p:sp>
+      <p:pic>
+        <p:nvPicPr>
+          <p:cNvPr id="21" name="Graphic 20" descr="Succulent outline">
+            <a:extLst>
+              <a:ext uri="{FF2B5EF4-FFF2-40B4-BE49-F238E27FC236}">
+                <a16:creationId xmlns:a16="http://schemas.microsoft.com/office/drawing/2014/main" id="{F6ECCC92-130B-7178-223A-1E0DB7071201}"/>
+              </a:ext>
+            </a:extLst>
+          </p:cNvPr>
+          <p:cNvPicPr>
+            <a:picLocks noChangeAspect="1"/>
+          </p:cNvPicPr>
+          <p:nvPr/>
+        </p:nvPicPr>
+        <p:blipFill rotWithShape="1">
+          <a:blip r:embed="rId2">
+            <a:extLst>
+              <a:ext uri="{28A0092B-C50C-407E-A947-70E740481C1C}">
+                <a14:useLocalDpi xmlns:a14="http://schemas.microsoft.com/office/drawing/2010/main" val="0"/>
+              </a:ext>
+              <a:ext uri="{96DAC541-7B7A-43D3-8B79-37D633B846F1}">
+                <asvg:svgBlip xmlns:asvg="http://schemas.microsoft.com/office/drawing/2016/SVG/main" r:embed="rId3"/>
+              </a:ext>
+            </a:extLst>
+          </a:blip>
+          <a:srcRect l="35416" t="5469" r="35677" b="78385"/>
+          <a:stretch/>
+        </p:blipFill>
+        <p:spPr>
+          <a:xfrm>
+            <a:off x="9385874" y="1843196"/>
+            <a:ext cx="425547" cy="142441"/>
+          </a:xfrm>
+          <a:prstGeom prst="rect">
+            <a:avLst/>
+          </a:prstGeom>
+        </p:spPr>
+      </p:pic>
+      <p:pic>
+        <p:nvPicPr>
+          <p:cNvPr id="22" name="Graphic 21" descr="Succulent outline">
+            <a:extLst>
+              <a:ext uri="{FF2B5EF4-FFF2-40B4-BE49-F238E27FC236}">
+                <a16:creationId xmlns:a16="http://schemas.microsoft.com/office/drawing/2014/main" id="{1FB4BEE8-4955-7DF8-2C24-DF1FD94B8D00}"/>
+              </a:ext>
+            </a:extLst>
+          </p:cNvPr>
+          <p:cNvPicPr>
+            <a:picLocks noChangeAspect="1"/>
+          </p:cNvPicPr>
+          <p:nvPr/>
+        </p:nvPicPr>
+        <p:blipFill rotWithShape="1">
+          <a:blip r:embed="rId2">
+            <a:extLst>
+              <a:ext uri="{28A0092B-C50C-407E-A947-70E740481C1C}">
+                <a14:useLocalDpi xmlns:a14="http://schemas.microsoft.com/office/drawing/2010/main" val="0"/>
+              </a:ext>
+              <a:ext uri="{96DAC541-7B7A-43D3-8B79-37D633B846F1}">
+                <asvg:svgBlip xmlns:asvg="http://schemas.microsoft.com/office/drawing/2016/SVG/main" r:embed="rId3"/>
+              </a:ext>
+            </a:extLst>
+          </a:blip>
+          <a:srcRect l="35416" t="5469" r="35677" b="78385"/>
+          <a:stretch/>
+        </p:blipFill>
+        <p:spPr>
+          <a:xfrm>
+            <a:off x="9475010" y="1843196"/>
+            <a:ext cx="425547" cy="142441"/>
+          </a:xfrm>
+          <a:prstGeom prst="rect">
+            <a:avLst/>
+          </a:prstGeom>
+        </p:spPr>
+      </p:pic>
+      <p:pic>
+        <p:nvPicPr>
+          <p:cNvPr id="28" name="Graphic 27" descr="Succulent outline">
+            <a:extLst>
+              <a:ext uri="{FF2B5EF4-FFF2-40B4-BE49-F238E27FC236}">
+                <a16:creationId xmlns:a16="http://schemas.microsoft.com/office/drawing/2014/main" id="{4EF7A6C4-2801-9EE7-DC85-074EB3A28909}"/>
+              </a:ext>
+            </a:extLst>
+          </p:cNvPr>
+          <p:cNvPicPr>
+            <a:picLocks noChangeAspect="1"/>
+          </p:cNvPicPr>
+          <p:nvPr/>
+        </p:nvPicPr>
+        <p:blipFill rotWithShape="1">
+          <a:blip r:embed="rId2">
+            <a:extLst>
+              <a:ext uri="{28A0092B-C50C-407E-A947-70E740481C1C}">
+                <a14:useLocalDpi xmlns:a14="http://schemas.microsoft.com/office/drawing/2010/main" val="0"/>
+              </a:ext>
+              <a:ext uri="{96DAC541-7B7A-43D3-8B79-37D633B846F1}">
+                <asvg:svgBlip xmlns:asvg="http://schemas.microsoft.com/office/drawing/2016/SVG/main" r:embed="rId3"/>
+              </a:ext>
+            </a:extLst>
+          </a:blip>
+          <a:srcRect l="35416" t="5469" r="35677" b="78385"/>
+          <a:stretch/>
+        </p:blipFill>
+        <p:spPr>
+          <a:xfrm>
+            <a:off x="9677815" y="1843196"/>
+            <a:ext cx="425547" cy="142441"/>
+          </a:xfrm>
+          <a:prstGeom prst="rect">
+            <a:avLst/>
+          </a:prstGeom>
+        </p:spPr>
+      </p:pic>
+      <p:pic>
+        <p:nvPicPr>
+          <p:cNvPr id="29" name="Graphic 28" descr="Succulent outline">
+            <a:extLst>
+              <a:ext uri="{FF2B5EF4-FFF2-40B4-BE49-F238E27FC236}">
+                <a16:creationId xmlns:a16="http://schemas.microsoft.com/office/drawing/2014/main" id="{10F76DAA-ECEB-1E87-8B3E-C084B0E1C70F}"/>
+              </a:ext>
+            </a:extLst>
+          </p:cNvPr>
+          <p:cNvPicPr>
+            <a:picLocks noChangeAspect="1"/>
+          </p:cNvPicPr>
+          <p:nvPr/>
+        </p:nvPicPr>
+        <p:blipFill rotWithShape="1">
+          <a:blip r:embed="rId2">
+            <a:extLst>
+              <a:ext uri="{28A0092B-C50C-407E-A947-70E740481C1C}">
+                <a14:useLocalDpi xmlns:a14="http://schemas.microsoft.com/office/drawing/2010/main" val="0"/>
+              </a:ext>
+              <a:ext uri="{96DAC541-7B7A-43D3-8B79-37D633B846F1}">
+                <asvg:svgBlip xmlns:asvg="http://schemas.microsoft.com/office/drawing/2016/SVG/main" r:embed="rId3"/>
+              </a:ext>
+            </a:extLst>
+          </a:blip>
+          <a:srcRect l="35416" t="5469" r="35677" b="78385"/>
+          <a:stretch/>
+        </p:blipFill>
+        <p:spPr>
+          <a:xfrm>
+            <a:off x="9789187" y="1843196"/>
+            <a:ext cx="425547" cy="142441"/>
+          </a:xfrm>
+          <a:prstGeom prst="rect">
+            <a:avLst/>
+          </a:prstGeom>
+        </p:spPr>
+      </p:pic>
+      <p:pic>
+        <p:nvPicPr>
+          <p:cNvPr id="30" name="Graphic 29" descr="Succulent outline">
+            <a:extLst>
+              <a:ext uri="{FF2B5EF4-FFF2-40B4-BE49-F238E27FC236}">
+                <a16:creationId xmlns:a16="http://schemas.microsoft.com/office/drawing/2014/main" id="{9FD0EDFF-D4AD-E818-4C79-38084C9A0A83}"/>
+              </a:ext>
+            </a:extLst>
+          </p:cNvPr>
+          <p:cNvPicPr>
+            <a:picLocks noChangeAspect="1"/>
+          </p:cNvPicPr>
+          <p:nvPr/>
+        </p:nvPicPr>
+        <p:blipFill rotWithShape="1">
+          <a:blip r:embed="rId2">
+            <a:extLst>
+              <a:ext uri="{28A0092B-C50C-407E-A947-70E740481C1C}">
+                <a14:useLocalDpi xmlns:a14="http://schemas.microsoft.com/office/drawing/2010/main" val="0"/>
+              </a:ext>
+              <a:ext uri="{96DAC541-7B7A-43D3-8B79-37D633B846F1}">
+                <asvg:svgBlip xmlns:asvg="http://schemas.microsoft.com/office/drawing/2016/SVG/main" r:embed="rId3"/>
+              </a:ext>
+            </a:extLst>
+          </a:blip>
+          <a:srcRect l="35416" t="5469" r="35677" b="78385"/>
+          <a:stretch/>
+        </p:blipFill>
+        <p:spPr>
+          <a:xfrm>
+            <a:off x="9927299" y="1843196"/>
+            <a:ext cx="425547" cy="142441"/>
+          </a:xfrm>
+          <a:prstGeom prst="rect">
+            <a:avLst/>
+          </a:prstGeom>
+        </p:spPr>
+      </p:pic>
+      <p:grpSp>
+        <p:nvGrpSpPr>
+          <p:cNvPr id="70" name="Group 69">
+            <a:extLst>
+              <a:ext uri="{FF2B5EF4-FFF2-40B4-BE49-F238E27FC236}">
+                <a16:creationId xmlns:a16="http://schemas.microsoft.com/office/drawing/2014/main" id="{CC714B3A-822A-E4E3-F979-E7628D19F30A}"/>
+              </a:ext>
+            </a:extLst>
+          </p:cNvPr>
+          <p:cNvGrpSpPr/>
+          <p:nvPr/>
+        </p:nvGrpSpPr>
+        <p:grpSpPr>
+          <a:xfrm>
+            <a:off x="1744815" y="609191"/>
+            <a:ext cx="1956684" cy="5835997"/>
+            <a:chOff x="1744815" y="609191"/>
+            <a:chExt cx="1956684" cy="5835997"/>
+          </a:xfrm>
+        </p:grpSpPr>
+        <p:grpSp>
+          <p:nvGrpSpPr>
+            <p:cNvPr id="26" name="Group 25">
+              <a:extLst>
+                <a:ext uri="{FF2B5EF4-FFF2-40B4-BE49-F238E27FC236}">
+                  <a16:creationId xmlns:a16="http://schemas.microsoft.com/office/drawing/2014/main" id="{8665909A-F08B-D510-AF38-E8F3D40985E5}"/>
+                </a:ext>
+              </a:extLst>
+            </p:cNvPr>
+            <p:cNvGrpSpPr/>
+            <p:nvPr/>
+          </p:nvGrpSpPr>
+          <p:grpSpPr>
+            <a:xfrm>
+              <a:off x="1839154" y="1799946"/>
+              <a:ext cx="1719624" cy="4645242"/>
+              <a:chOff x="1839154" y="1799946"/>
+              <a:chExt cx="1719624" cy="4645242"/>
+            </a:xfrm>
+          </p:grpSpPr>
+          <p:grpSp>
+            <p:nvGrpSpPr>
+              <p:cNvPr id="8" name="Group 7">
+                <a:extLst>
+                  <a:ext uri="{FF2B5EF4-FFF2-40B4-BE49-F238E27FC236}">
+                    <a16:creationId xmlns:a16="http://schemas.microsoft.com/office/drawing/2014/main" id="{1C2DB59E-BCFA-D5AA-4557-68A0B734C22D}"/>
+                  </a:ext>
+                </a:extLst>
+              </p:cNvPr>
+              <p:cNvGrpSpPr/>
+              <p:nvPr/>
+            </p:nvGrpSpPr>
+            <p:grpSpPr>
+              <a:xfrm>
+                <a:off x="1839154" y="1799946"/>
+                <a:ext cx="1711912" cy="4645242"/>
+                <a:chOff x="1004653" y="1757777"/>
+                <a:chExt cx="1711912" cy="4645242"/>
+              </a:xfrm>
+            </p:grpSpPr>
+            <p:sp>
+              <p:nvSpPr>
+                <p:cNvPr id="6" name="Rectangle 5">
+                  <a:extLst>
+                    <a:ext uri="{FF2B5EF4-FFF2-40B4-BE49-F238E27FC236}">
+                      <a16:creationId xmlns:a16="http://schemas.microsoft.com/office/drawing/2014/main" id="{E0F430DC-DD12-3646-3049-F82328D88757}"/>
+                    </a:ext>
+                  </a:extLst>
+                </p:cNvPr>
+                <p:cNvSpPr/>
+                <p:nvPr/>
+              </p:nvSpPr>
+              <p:spPr>
+                <a:xfrm>
+                  <a:off x="1004653" y="1757777"/>
+                  <a:ext cx="1711912" cy="3224492"/>
+                </a:xfrm>
+                <a:prstGeom prst="rect">
+                  <a:avLst/>
+                </a:prstGeom>
+                <a:gradFill flip="none" rotWithShape="1">
+                  <a:gsLst>
+                    <a:gs pos="0">
+                      <a:schemeClr val="accent1">
+                        <a:lumMod val="75000"/>
+                      </a:schemeClr>
+                    </a:gs>
+                    <a:gs pos="70000">
+                      <a:schemeClr val="accent1">
+                        <a:tint val="44500"/>
+                        <a:satMod val="160000"/>
+                      </a:schemeClr>
+                    </a:gs>
+                    <a:gs pos="100000">
+                      <a:schemeClr val="accent1">
+                        <a:lumMod val="20000"/>
+                        <a:lumOff val="80000"/>
+                      </a:schemeClr>
+                    </a:gs>
+                  </a:gsLst>
+                  <a:lin ang="16200000" scaled="1"/>
+                  <a:tileRect/>
+                </a:gradFill>
+              </p:spPr>
+              <p:style>
+                <a:lnRef idx="2">
+                  <a:schemeClr val="accent3">
+                    <a:shade val="15000"/>
+                  </a:schemeClr>
+                </a:lnRef>
+                <a:fillRef idx="1">
+                  <a:schemeClr val="accent3"/>
+                </a:fillRef>
+                <a:effectRef idx="0">
+                  <a:schemeClr val="accent3"/>
+                </a:effectRef>
+                <a:fontRef idx="minor">
+                  <a:schemeClr val="lt1"/>
+                </a:fontRef>
+              </p:style>
+              <p:txBody>
+                <a:bodyPr rtlCol="0" anchor="ctr"/>
+                <a:lstStyle/>
+                <a:p>
+                  <a:pPr algn="ctr"/>
+                  <a:endParaRPr lang="en-NZ"/>
+                </a:p>
+              </p:txBody>
+            </p:sp>
+            <p:sp>
+              <p:nvSpPr>
+                <p:cNvPr id="7" name="Rectangle 6">
+                  <a:extLst>
+                    <a:ext uri="{FF2B5EF4-FFF2-40B4-BE49-F238E27FC236}">
+                      <a16:creationId xmlns:a16="http://schemas.microsoft.com/office/drawing/2014/main" id="{96C09818-B268-2A2A-20E6-420D3DC532E6}"/>
+                    </a:ext>
+                  </a:extLst>
+                </p:cNvPr>
+                <p:cNvSpPr/>
+                <p:nvPr/>
+              </p:nvSpPr>
+              <p:spPr>
+                <a:xfrm>
+                  <a:off x="1004653" y="4982269"/>
+                  <a:ext cx="1711912" cy="1420750"/>
+                </a:xfrm>
+                <a:prstGeom prst="rect">
+                  <a:avLst/>
+                </a:prstGeom>
+                <a:solidFill>
+                  <a:schemeClr val="bg2"/>
+                </a:solidFill>
+              </p:spPr>
+              <p:style>
+                <a:lnRef idx="2">
+                  <a:schemeClr val="accent3">
+                    <a:shade val="15000"/>
+                  </a:schemeClr>
+                </a:lnRef>
+                <a:fillRef idx="1">
+                  <a:schemeClr val="accent3"/>
+                </a:fillRef>
+                <a:effectRef idx="0">
+                  <a:schemeClr val="accent3"/>
+                </a:effectRef>
+                <a:fontRef idx="minor">
+                  <a:schemeClr val="lt1"/>
+                </a:fontRef>
+              </p:style>
+              <p:txBody>
+                <a:bodyPr rtlCol="0" anchor="ctr"/>
+                <a:lstStyle/>
+                <a:p>
+                  <a:pPr algn="ctr"/>
+                  <a:endParaRPr lang="en-NZ"/>
+                </a:p>
+              </p:txBody>
+            </p:sp>
+          </p:grpSp>
+          <p:cxnSp>
+            <p:nvCxnSpPr>
+              <p:cNvPr id="23" name="Straight Connector 22">
+                <a:extLst>
+                  <a:ext uri="{FF2B5EF4-FFF2-40B4-BE49-F238E27FC236}">
+                    <a16:creationId xmlns:a16="http://schemas.microsoft.com/office/drawing/2014/main" id="{2DF2E583-7A58-1E32-A248-F30352999D81}"/>
+                  </a:ext>
+                </a:extLst>
+              </p:cNvPr>
+              <p:cNvCxnSpPr/>
+              <p:nvPr/>
+            </p:nvCxnSpPr>
+            <p:spPr>
+              <a:xfrm>
+                <a:off x="1846866" y="2286000"/>
+                <a:ext cx="1711912" cy="0"/>
+              </a:xfrm>
+              <a:prstGeom prst="line">
+                <a:avLst/>
+              </a:prstGeom>
+              <a:ln w="25400">
+                <a:solidFill>
+                  <a:schemeClr val="tx1"/>
+                </a:solidFill>
+              </a:ln>
+            </p:spPr>
+            <p:style>
+              <a:lnRef idx="1">
+                <a:schemeClr val="accent1"/>
+              </a:lnRef>
+              <a:fillRef idx="0">
+                <a:schemeClr val="accent1"/>
+              </a:fillRef>
+              <a:effectRef idx="0">
+                <a:schemeClr val="accent1"/>
+              </a:effectRef>
+              <a:fontRef idx="minor">
+                <a:schemeClr val="tx1"/>
+              </a:fontRef>
+            </p:style>
+          </p:cxnSp>
+          <p:cxnSp>
+            <p:nvCxnSpPr>
+              <p:cNvPr id="24" name="Straight Connector 23">
+                <a:extLst>
+                  <a:ext uri="{FF2B5EF4-FFF2-40B4-BE49-F238E27FC236}">
+                    <a16:creationId xmlns:a16="http://schemas.microsoft.com/office/drawing/2014/main" id="{06BC6C09-68BA-DEF6-337F-6ECD6D335281}"/>
+                  </a:ext>
+                </a:extLst>
+              </p:cNvPr>
+              <p:cNvCxnSpPr/>
+              <p:nvPr/>
+            </p:nvCxnSpPr>
+            <p:spPr>
+              <a:xfrm>
+                <a:off x="1839154" y="3187700"/>
+                <a:ext cx="1711912" cy="0"/>
+              </a:xfrm>
+              <a:prstGeom prst="line">
+                <a:avLst/>
+              </a:prstGeom>
+              <a:ln w="25400">
+                <a:solidFill>
+                  <a:schemeClr val="tx1"/>
+                </a:solidFill>
+              </a:ln>
+            </p:spPr>
+            <p:style>
+              <a:lnRef idx="1">
+                <a:schemeClr val="accent1"/>
+              </a:lnRef>
+              <a:fillRef idx="0">
+                <a:schemeClr val="accent1"/>
+              </a:fillRef>
+              <a:effectRef idx="0">
+                <a:schemeClr val="accent1"/>
+              </a:effectRef>
+              <a:fontRef idx="minor">
+                <a:schemeClr val="tx1"/>
+              </a:fontRef>
+            </p:style>
+          </p:cxnSp>
+          <p:cxnSp>
+            <p:nvCxnSpPr>
+              <p:cNvPr id="25" name="Straight Connector 24">
+                <a:extLst>
+                  <a:ext uri="{FF2B5EF4-FFF2-40B4-BE49-F238E27FC236}">
+                    <a16:creationId xmlns:a16="http://schemas.microsoft.com/office/drawing/2014/main" id="{7DD2A64C-D7C5-804C-43C2-176DBBE02ED0}"/>
+                  </a:ext>
+                </a:extLst>
+              </p:cNvPr>
+              <p:cNvCxnSpPr/>
+              <p:nvPr/>
+            </p:nvCxnSpPr>
+            <p:spPr>
+              <a:xfrm>
+                <a:off x="1846866" y="4241800"/>
+                <a:ext cx="1711912" cy="0"/>
+              </a:xfrm>
+              <a:prstGeom prst="line">
+                <a:avLst/>
+              </a:prstGeom>
+              <a:ln w="25400">
+                <a:solidFill>
+                  <a:schemeClr val="tx1"/>
+                </a:solidFill>
+              </a:ln>
+            </p:spPr>
+            <p:style>
+              <a:lnRef idx="1">
+                <a:schemeClr val="accent1"/>
+              </a:lnRef>
+              <a:fillRef idx="0">
+                <a:schemeClr val="accent1"/>
+              </a:fillRef>
+              <a:effectRef idx="0">
+                <a:schemeClr val="accent1"/>
+              </a:effectRef>
+              <a:fontRef idx="minor">
+                <a:schemeClr val="tx1"/>
+              </a:fontRef>
+            </p:style>
+          </p:cxnSp>
+        </p:grpSp>
+        <p:grpSp>
+          <p:nvGrpSpPr>
+            <p:cNvPr id="18" name="Group 17">
+              <a:extLst>
+                <a:ext uri="{FF2B5EF4-FFF2-40B4-BE49-F238E27FC236}">
+                  <a16:creationId xmlns:a16="http://schemas.microsoft.com/office/drawing/2014/main" id="{1BCD5EAB-03C5-667E-7852-7FE7B27A6944}"/>
+                </a:ext>
+              </a:extLst>
+            </p:cNvPr>
+            <p:cNvGrpSpPr/>
+            <p:nvPr/>
+          </p:nvGrpSpPr>
+          <p:grpSpPr>
+            <a:xfrm>
+              <a:off x="1744815" y="624682"/>
+              <a:ext cx="921928" cy="3039894"/>
+              <a:chOff x="6912862" y="1648266"/>
+              <a:chExt cx="921928" cy="3039894"/>
+            </a:xfrm>
+          </p:grpSpPr>
+          <p:pic>
+            <p:nvPicPr>
+              <p:cNvPr id="4" name="Graphic 3" descr="Plant With Roots outline">
+                <a:extLst>
+                  <a:ext uri="{FF2B5EF4-FFF2-40B4-BE49-F238E27FC236}">
+                    <a16:creationId xmlns:a16="http://schemas.microsoft.com/office/drawing/2014/main" id="{4CD92283-2196-BE97-1FF0-BEC8A5C559CA}"/>
+                  </a:ext>
+                </a:extLst>
+              </p:cNvPr>
+              <p:cNvPicPr>
+                <a:picLocks noChangeAspect="1"/>
+              </p:cNvPicPr>
+              <p:nvPr/>
+            </p:nvPicPr>
+            <p:blipFill>
+              <a:blip r:embed="rId4">
+                <a:extLst>
+                  <a:ext uri="{28A0092B-C50C-407E-A947-70E740481C1C}">
+                    <a14:useLocalDpi xmlns:a14="http://schemas.microsoft.com/office/drawing/2010/main" val="0"/>
+                  </a:ext>
+                  <a:ext uri="{96DAC541-7B7A-43D3-8B79-37D633B846F1}">
+                    <asvg:svgBlip xmlns:asvg="http://schemas.microsoft.com/office/drawing/2016/SVG/main" r:embed="rId5"/>
+                  </a:ext>
+                </a:extLst>
+              </a:blip>
+              <a:stretch>
+                <a:fillRect/>
+              </a:stretch>
+            </p:blipFill>
+            <p:spPr>
+              <a:xfrm>
+                <a:off x="6912862" y="1648266"/>
+                <a:ext cx="914400" cy="1656863"/>
+              </a:xfrm>
+              <a:prstGeom prst="rect">
+                <a:avLst/>
+              </a:prstGeom>
+            </p:spPr>
+          </p:pic>
+          <p:pic>
+            <p:nvPicPr>
+              <p:cNvPr id="14" name="Graphic 13" descr="Plant With Roots outline">
+                <a:extLst>
+                  <a:ext uri="{FF2B5EF4-FFF2-40B4-BE49-F238E27FC236}">
+                    <a16:creationId xmlns:a16="http://schemas.microsoft.com/office/drawing/2014/main" id="{1541E085-AEF5-4F0E-69CC-ECD246FE7515}"/>
+                  </a:ext>
+                </a:extLst>
+              </p:cNvPr>
+              <p:cNvPicPr>
+                <a:picLocks noChangeAspect="1"/>
+              </p:cNvPicPr>
+              <p:nvPr/>
+            </p:nvPicPr>
+            <p:blipFill rotWithShape="1">
+              <a:blip r:embed="rId4">
+                <a:extLst>
+                  <a:ext uri="{28A0092B-C50C-407E-A947-70E740481C1C}">
+                    <a14:useLocalDpi xmlns:a14="http://schemas.microsoft.com/office/drawing/2010/main" val="0"/>
+                  </a:ext>
+                  <a:ext uri="{96DAC541-7B7A-43D3-8B79-37D633B846F1}">
+                    <asvg:svgBlip xmlns:asvg="http://schemas.microsoft.com/office/drawing/2016/SVG/main" r:embed="rId5"/>
+                  </a:ext>
+                </a:extLst>
+              </a:blip>
+              <a:srcRect t="62614"/>
+              <a:stretch/>
+            </p:blipFill>
+            <p:spPr>
+              <a:xfrm>
+                <a:off x="6912862" y="3007133"/>
+                <a:ext cx="914400" cy="1681027"/>
+              </a:xfrm>
+              <a:prstGeom prst="rect">
+                <a:avLst/>
+              </a:prstGeom>
+            </p:spPr>
+          </p:pic>
+          <p:grpSp>
+            <p:nvGrpSpPr>
+              <p:cNvPr id="16" name="Group 15">
+                <a:extLst>
+                  <a:ext uri="{FF2B5EF4-FFF2-40B4-BE49-F238E27FC236}">
+                    <a16:creationId xmlns:a16="http://schemas.microsoft.com/office/drawing/2014/main" id="{9E36FAE2-3120-0625-8EBF-EBB4125DB66A}"/>
+                  </a:ext>
+                </a:extLst>
+              </p:cNvPr>
+              <p:cNvGrpSpPr/>
+              <p:nvPr/>
+            </p:nvGrpSpPr>
+            <p:grpSpPr>
+              <a:xfrm>
+                <a:off x="7000200" y="2659669"/>
+                <a:ext cx="739724" cy="142441"/>
+                <a:chOff x="8933585" y="1843196"/>
+                <a:chExt cx="739724" cy="142441"/>
+              </a:xfrm>
+            </p:grpSpPr>
+            <p:pic>
+              <p:nvPicPr>
+                <p:cNvPr id="17" name="Graphic 16" descr="Succulent outline">
+                  <a:extLst>
+                    <a:ext uri="{FF2B5EF4-FFF2-40B4-BE49-F238E27FC236}">
+                      <a16:creationId xmlns:a16="http://schemas.microsoft.com/office/drawing/2014/main" id="{BCB5EEA5-2A51-2BE2-83F5-964A97FADD4E}"/>
+                    </a:ext>
+                  </a:extLst>
+                </p:cNvPr>
+                <p:cNvPicPr>
+                  <a:picLocks noChangeAspect="1"/>
+                </p:cNvPicPr>
+                <p:nvPr/>
+              </p:nvPicPr>
+              <p:blipFill rotWithShape="1">
+                <a:blip r:embed="rId2">
+                  <a:extLst>
+                    <a:ext uri="{28A0092B-C50C-407E-A947-70E740481C1C}">
+                      <a14:useLocalDpi xmlns:a14="http://schemas.microsoft.com/office/drawing/2010/main" val="0"/>
+                    </a:ext>
+                    <a:ext uri="{96DAC541-7B7A-43D3-8B79-37D633B846F1}">
+                      <asvg:svgBlip xmlns:asvg="http://schemas.microsoft.com/office/drawing/2016/SVG/main" r:embed="rId3"/>
+                    </a:ext>
+                  </a:extLst>
+                </a:blip>
+                <a:srcRect l="35416" t="5469" r="35677" b="78385"/>
+                <a:stretch/>
+              </p:blipFill>
+              <p:spPr>
+                <a:xfrm>
+                  <a:off x="8933585" y="1843196"/>
+                  <a:ext cx="425547" cy="142441"/>
+                </a:xfrm>
+                <a:prstGeom prst="rect">
+                  <a:avLst/>
+                </a:prstGeom>
+              </p:spPr>
+            </p:pic>
+            <p:pic>
+              <p:nvPicPr>
+                <p:cNvPr id="19" name="Graphic 18" descr="Succulent outline">
+                  <a:extLst>
+                    <a:ext uri="{FF2B5EF4-FFF2-40B4-BE49-F238E27FC236}">
+                      <a16:creationId xmlns:a16="http://schemas.microsoft.com/office/drawing/2014/main" id="{F8FC78C5-DDCA-B9DD-84C4-D579A689A566}"/>
+                    </a:ext>
+                  </a:extLst>
+                </p:cNvPr>
+                <p:cNvPicPr>
+                  <a:picLocks noChangeAspect="1"/>
+                </p:cNvPicPr>
+                <p:nvPr/>
+              </p:nvPicPr>
+              <p:blipFill rotWithShape="1">
+                <a:blip r:embed="rId2">
+                  <a:extLst>
+                    <a:ext uri="{28A0092B-C50C-407E-A947-70E740481C1C}">
+                      <a14:useLocalDpi xmlns:a14="http://schemas.microsoft.com/office/drawing/2010/main" val="0"/>
+                    </a:ext>
+                    <a:ext uri="{96DAC541-7B7A-43D3-8B79-37D633B846F1}">
+                      <asvg:svgBlip xmlns:asvg="http://schemas.microsoft.com/office/drawing/2016/SVG/main" r:embed="rId3"/>
+                    </a:ext>
+                  </a:extLst>
+                </a:blip>
+                <a:srcRect l="35416" t="5469" r="35677" b="78385"/>
+                <a:stretch/>
+              </p:blipFill>
+              <p:spPr>
+                <a:xfrm>
+                  <a:off x="9136390" y="1843196"/>
+                  <a:ext cx="425547" cy="142441"/>
+                </a:xfrm>
+                <a:prstGeom prst="rect">
+                  <a:avLst/>
+                </a:prstGeom>
+              </p:spPr>
+            </p:pic>
+            <p:pic>
+              <p:nvPicPr>
+                <p:cNvPr id="20" name="Graphic 19" descr="Succulent outline">
+                  <a:extLst>
+                    <a:ext uri="{FF2B5EF4-FFF2-40B4-BE49-F238E27FC236}">
+                      <a16:creationId xmlns:a16="http://schemas.microsoft.com/office/drawing/2014/main" id="{F9C47E81-0D92-3AA1-D994-264C24FD9171}"/>
+                    </a:ext>
+                  </a:extLst>
+                </p:cNvPr>
+                <p:cNvPicPr>
+                  <a:picLocks noChangeAspect="1"/>
+                </p:cNvPicPr>
+                <p:nvPr/>
+              </p:nvPicPr>
+              <p:blipFill rotWithShape="1">
+                <a:blip r:embed="rId2">
+                  <a:extLst>
+                    <a:ext uri="{28A0092B-C50C-407E-A947-70E740481C1C}">
+                      <a14:useLocalDpi xmlns:a14="http://schemas.microsoft.com/office/drawing/2010/main" val="0"/>
+                    </a:ext>
+                    <a:ext uri="{96DAC541-7B7A-43D3-8B79-37D633B846F1}">
+                      <asvg:svgBlip xmlns:asvg="http://schemas.microsoft.com/office/drawing/2016/SVG/main" r:embed="rId3"/>
+                    </a:ext>
+                  </a:extLst>
+                </a:blip>
+                <a:srcRect l="35416" t="5469" r="35677" b="78385"/>
+                <a:stretch/>
+              </p:blipFill>
+              <p:spPr>
+                <a:xfrm>
+                  <a:off x="9247762" y="1843196"/>
+                  <a:ext cx="425547" cy="142441"/>
+                </a:xfrm>
+                <a:prstGeom prst="rect">
+                  <a:avLst/>
+                </a:prstGeom>
+              </p:spPr>
+            </p:pic>
+          </p:grpSp>
+          <p:pic>
+            <p:nvPicPr>
+              <p:cNvPr id="3" name="Graphic 2" descr="Plant With Roots outline">
+                <a:extLst>
+                  <a:ext uri="{FF2B5EF4-FFF2-40B4-BE49-F238E27FC236}">
+                    <a16:creationId xmlns:a16="http://schemas.microsoft.com/office/drawing/2014/main" id="{402E6A81-8AE1-D91A-FE53-CFBA90A47F5F}"/>
+                  </a:ext>
+                </a:extLst>
+              </p:cNvPr>
+              <p:cNvPicPr>
+                <a:picLocks noChangeAspect="1"/>
+              </p:cNvPicPr>
+              <p:nvPr/>
+            </p:nvPicPr>
+            <p:blipFill rotWithShape="1">
+              <a:blip r:embed="rId4">
+                <a:extLst>
+                  <a:ext uri="{28A0092B-C50C-407E-A947-70E740481C1C}">
+                    <a14:useLocalDpi xmlns:a14="http://schemas.microsoft.com/office/drawing/2010/main" val="0"/>
+                  </a:ext>
+                  <a:ext uri="{96DAC541-7B7A-43D3-8B79-37D633B846F1}">
+                    <asvg:svgBlip xmlns:asvg="http://schemas.microsoft.com/office/drawing/2016/SVG/main" r:embed="rId5"/>
+                  </a:ext>
+                </a:extLst>
+              </a:blip>
+              <a:srcRect t="62614"/>
+              <a:stretch/>
+            </p:blipFill>
+            <p:spPr>
+              <a:xfrm>
+                <a:off x="6920390" y="2857446"/>
+                <a:ext cx="914400" cy="895365"/>
+              </a:xfrm>
+              <a:prstGeom prst="rect">
+                <a:avLst/>
+              </a:prstGeom>
+            </p:spPr>
+          </p:pic>
+        </p:grpSp>
+        <p:grpSp>
+          <p:nvGrpSpPr>
+            <p:cNvPr id="54" name="Group 53">
+              <a:extLst>
+                <a:ext uri="{FF2B5EF4-FFF2-40B4-BE49-F238E27FC236}">
+                  <a16:creationId xmlns:a16="http://schemas.microsoft.com/office/drawing/2014/main" id="{6783D752-2605-03E8-B76B-D12CD5C8F2EF}"/>
+                </a:ext>
+              </a:extLst>
+            </p:cNvPr>
+            <p:cNvGrpSpPr/>
+            <p:nvPr/>
+          </p:nvGrpSpPr>
+          <p:grpSpPr>
+            <a:xfrm>
+              <a:off x="2276655" y="614516"/>
+              <a:ext cx="921928" cy="3039894"/>
+              <a:chOff x="6912862" y="1648266"/>
+              <a:chExt cx="921928" cy="3039894"/>
+            </a:xfrm>
+          </p:grpSpPr>
+          <p:pic>
+            <p:nvPicPr>
+              <p:cNvPr id="55" name="Graphic 54" descr="Plant With Roots outline">
+                <a:extLst>
+                  <a:ext uri="{FF2B5EF4-FFF2-40B4-BE49-F238E27FC236}">
+                    <a16:creationId xmlns:a16="http://schemas.microsoft.com/office/drawing/2014/main" id="{A493F25F-EE59-9C86-936D-0558D14F12A0}"/>
+                  </a:ext>
+                </a:extLst>
+              </p:cNvPr>
+              <p:cNvPicPr>
+                <a:picLocks noChangeAspect="1"/>
+              </p:cNvPicPr>
+              <p:nvPr/>
+            </p:nvPicPr>
+            <p:blipFill>
+              <a:blip r:embed="rId4">
+                <a:extLst>
+                  <a:ext uri="{28A0092B-C50C-407E-A947-70E740481C1C}">
+                    <a14:useLocalDpi xmlns:a14="http://schemas.microsoft.com/office/drawing/2010/main" val="0"/>
+                  </a:ext>
+                  <a:ext uri="{96DAC541-7B7A-43D3-8B79-37D633B846F1}">
+                    <asvg:svgBlip xmlns:asvg="http://schemas.microsoft.com/office/drawing/2016/SVG/main" r:embed="rId5"/>
+                  </a:ext>
+                </a:extLst>
+              </a:blip>
+              <a:stretch>
+                <a:fillRect/>
+              </a:stretch>
+            </p:blipFill>
+            <p:spPr>
+              <a:xfrm>
+                <a:off x="6912862" y="1648266"/>
+                <a:ext cx="914400" cy="1656863"/>
+              </a:xfrm>
+              <a:prstGeom prst="rect">
+                <a:avLst/>
+              </a:prstGeom>
+            </p:spPr>
+          </p:pic>
+          <p:pic>
+            <p:nvPicPr>
+              <p:cNvPr id="56" name="Graphic 55" descr="Plant With Roots outline">
+                <a:extLst>
+                  <a:ext uri="{FF2B5EF4-FFF2-40B4-BE49-F238E27FC236}">
+                    <a16:creationId xmlns:a16="http://schemas.microsoft.com/office/drawing/2014/main" id="{5698053E-21A2-C5B4-A68D-06608940E5FB}"/>
+                  </a:ext>
+                </a:extLst>
+              </p:cNvPr>
+              <p:cNvPicPr>
+                <a:picLocks noChangeAspect="1"/>
+              </p:cNvPicPr>
+              <p:nvPr/>
+            </p:nvPicPr>
+            <p:blipFill rotWithShape="1">
+              <a:blip r:embed="rId4">
+                <a:extLst>
+                  <a:ext uri="{28A0092B-C50C-407E-A947-70E740481C1C}">
+                    <a14:useLocalDpi xmlns:a14="http://schemas.microsoft.com/office/drawing/2010/main" val="0"/>
+                  </a:ext>
+                  <a:ext uri="{96DAC541-7B7A-43D3-8B79-37D633B846F1}">
+                    <asvg:svgBlip xmlns:asvg="http://schemas.microsoft.com/office/drawing/2016/SVG/main" r:embed="rId5"/>
+                  </a:ext>
+                </a:extLst>
+              </a:blip>
+              <a:srcRect t="62614"/>
+              <a:stretch/>
+            </p:blipFill>
+            <p:spPr>
+              <a:xfrm>
+                <a:off x="6912862" y="3007133"/>
+                <a:ext cx="914400" cy="1681027"/>
+              </a:xfrm>
+              <a:prstGeom prst="rect">
+                <a:avLst/>
+              </a:prstGeom>
+            </p:spPr>
+          </p:pic>
+          <p:grpSp>
+            <p:nvGrpSpPr>
+              <p:cNvPr id="57" name="Group 56">
+                <a:extLst>
+                  <a:ext uri="{FF2B5EF4-FFF2-40B4-BE49-F238E27FC236}">
+                    <a16:creationId xmlns:a16="http://schemas.microsoft.com/office/drawing/2014/main" id="{2BD8E97C-2D7F-4DC7-2498-0AAD0D7DDF53}"/>
+                  </a:ext>
+                </a:extLst>
+              </p:cNvPr>
+              <p:cNvGrpSpPr/>
+              <p:nvPr/>
+            </p:nvGrpSpPr>
+            <p:grpSpPr>
+              <a:xfrm>
+                <a:off x="7000200" y="2659669"/>
+                <a:ext cx="739724" cy="142441"/>
+                <a:chOff x="8933585" y="1843196"/>
+                <a:chExt cx="739724" cy="142441"/>
+              </a:xfrm>
+            </p:grpSpPr>
+            <p:pic>
+              <p:nvPicPr>
+                <p:cNvPr id="59" name="Graphic 58" descr="Succulent outline">
+                  <a:extLst>
+                    <a:ext uri="{FF2B5EF4-FFF2-40B4-BE49-F238E27FC236}">
+                      <a16:creationId xmlns:a16="http://schemas.microsoft.com/office/drawing/2014/main" id="{FA93A18A-BAF1-4819-A522-C1CE97074DB3}"/>
+                    </a:ext>
+                  </a:extLst>
+                </p:cNvPr>
+                <p:cNvPicPr>
+                  <a:picLocks noChangeAspect="1"/>
+                </p:cNvPicPr>
+                <p:nvPr/>
+              </p:nvPicPr>
+              <p:blipFill rotWithShape="1">
+                <a:blip r:embed="rId2">
+                  <a:extLst>
+                    <a:ext uri="{28A0092B-C50C-407E-A947-70E740481C1C}">
+                      <a14:useLocalDpi xmlns:a14="http://schemas.microsoft.com/office/drawing/2010/main" val="0"/>
+                    </a:ext>
+                    <a:ext uri="{96DAC541-7B7A-43D3-8B79-37D633B846F1}">
+                      <asvg:svgBlip xmlns:asvg="http://schemas.microsoft.com/office/drawing/2016/SVG/main" r:embed="rId3"/>
+                    </a:ext>
+                  </a:extLst>
+                </a:blip>
+                <a:srcRect l="35416" t="5469" r="35677" b="78385"/>
+                <a:stretch/>
+              </p:blipFill>
+              <p:spPr>
+                <a:xfrm>
+                  <a:off x="8933585" y="1843196"/>
+                  <a:ext cx="425547" cy="142441"/>
+                </a:xfrm>
+                <a:prstGeom prst="rect">
+                  <a:avLst/>
+                </a:prstGeom>
+              </p:spPr>
+            </p:pic>
+            <p:pic>
+              <p:nvPicPr>
+                <p:cNvPr id="60" name="Graphic 59" descr="Succulent outline">
+                  <a:extLst>
+                    <a:ext uri="{FF2B5EF4-FFF2-40B4-BE49-F238E27FC236}">
+                      <a16:creationId xmlns:a16="http://schemas.microsoft.com/office/drawing/2014/main" id="{23120D6D-70DD-0C21-C0B9-BD9ACE7056E7}"/>
+                    </a:ext>
+                  </a:extLst>
+                </p:cNvPr>
+                <p:cNvPicPr>
+                  <a:picLocks noChangeAspect="1"/>
+                </p:cNvPicPr>
+                <p:nvPr/>
+              </p:nvPicPr>
+              <p:blipFill rotWithShape="1">
+                <a:blip r:embed="rId2">
+                  <a:extLst>
+                    <a:ext uri="{28A0092B-C50C-407E-A947-70E740481C1C}">
+                      <a14:useLocalDpi xmlns:a14="http://schemas.microsoft.com/office/drawing/2010/main" val="0"/>
+                    </a:ext>
+                    <a:ext uri="{96DAC541-7B7A-43D3-8B79-37D633B846F1}">
+                      <asvg:svgBlip xmlns:asvg="http://schemas.microsoft.com/office/drawing/2016/SVG/main" r:embed="rId3"/>
+                    </a:ext>
+                  </a:extLst>
+                </a:blip>
+                <a:srcRect l="35416" t="5469" r="35677" b="78385"/>
+                <a:stretch/>
+              </p:blipFill>
+              <p:spPr>
+                <a:xfrm>
+                  <a:off x="9136390" y="1843196"/>
+                  <a:ext cx="425547" cy="142441"/>
+                </a:xfrm>
+                <a:prstGeom prst="rect">
+                  <a:avLst/>
+                </a:prstGeom>
+              </p:spPr>
+            </p:pic>
+            <p:pic>
+              <p:nvPicPr>
+                <p:cNvPr id="61" name="Graphic 60" descr="Succulent outline">
+                  <a:extLst>
+                    <a:ext uri="{FF2B5EF4-FFF2-40B4-BE49-F238E27FC236}">
+                      <a16:creationId xmlns:a16="http://schemas.microsoft.com/office/drawing/2014/main" id="{041514B5-F660-46EB-BC52-344E6A2CEEEA}"/>
+                    </a:ext>
+                  </a:extLst>
+                </p:cNvPr>
+                <p:cNvPicPr>
+                  <a:picLocks noChangeAspect="1"/>
+                </p:cNvPicPr>
+                <p:nvPr/>
+              </p:nvPicPr>
+              <p:blipFill rotWithShape="1">
+                <a:blip r:embed="rId2">
+                  <a:extLst>
+                    <a:ext uri="{28A0092B-C50C-407E-A947-70E740481C1C}">
+                      <a14:useLocalDpi xmlns:a14="http://schemas.microsoft.com/office/drawing/2010/main" val="0"/>
+                    </a:ext>
+                    <a:ext uri="{96DAC541-7B7A-43D3-8B79-37D633B846F1}">
+                      <asvg:svgBlip xmlns:asvg="http://schemas.microsoft.com/office/drawing/2016/SVG/main" r:embed="rId3"/>
+                    </a:ext>
+                  </a:extLst>
+                </a:blip>
+                <a:srcRect l="35416" t="5469" r="35677" b="78385"/>
+                <a:stretch/>
+              </p:blipFill>
+              <p:spPr>
+                <a:xfrm>
+                  <a:off x="9247762" y="1843196"/>
+                  <a:ext cx="425547" cy="142441"/>
+                </a:xfrm>
+                <a:prstGeom prst="rect">
+                  <a:avLst/>
+                </a:prstGeom>
+              </p:spPr>
+            </p:pic>
+          </p:grpSp>
+          <p:pic>
+            <p:nvPicPr>
+              <p:cNvPr id="58" name="Graphic 57" descr="Plant With Roots outline">
+                <a:extLst>
+                  <a:ext uri="{FF2B5EF4-FFF2-40B4-BE49-F238E27FC236}">
+                    <a16:creationId xmlns:a16="http://schemas.microsoft.com/office/drawing/2014/main" id="{E80B44C6-A843-861E-B663-B02BA6E0E313}"/>
+                  </a:ext>
+                </a:extLst>
+              </p:cNvPr>
+              <p:cNvPicPr>
+                <a:picLocks noChangeAspect="1"/>
+              </p:cNvPicPr>
+              <p:nvPr/>
+            </p:nvPicPr>
+            <p:blipFill rotWithShape="1">
+              <a:blip r:embed="rId4">
+                <a:extLst>
+                  <a:ext uri="{28A0092B-C50C-407E-A947-70E740481C1C}">
+                    <a14:useLocalDpi xmlns:a14="http://schemas.microsoft.com/office/drawing/2010/main" val="0"/>
+                  </a:ext>
+                  <a:ext uri="{96DAC541-7B7A-43D3-8B79-37D633B846F1}">
+                    <asvg:svgBlip xmlns:asvg="http://schemas.microsoft.com/office/drawing/2016/SVG/main" r:embed="rId5"/>
+                  </a:ext>
+                </a:extLst>
+              </a:blip>
+              <a:srcRect t="62614"/>
+              <a:stretch/>
+            </p:blipFill>
+            <p:spPr>
+              <a:xfrm>
+                <a:off x="6920390" y="2857446"/>
+                <a:ext cx="914400" cy="895365"/>
+              </a:xfrm>
+              <a:prstGeom prst="rect">
+                <a:avLst/>
+              </a:prstGeom>
+            </p:spPr>
+          </p:pic>
+        </p:grpSp>
+        <p:grpSp>
+          <p:nvGrpSpPr>
+            <p:cNvPr id="62" name="Group 61">
+              <a:extLst>
+                <a:ext uri="{FF2B5EF4-FFF2-40B4-BE49-F238E27FC236}">
+                  <a16:creationId xmlns:a16="http://schemas.microsoft.com/office/drawing/2014/main" id="{300116B4-C51E-6445-5337-2CB7AEC1FD45}"/>
+                </a:ext>
+              </a:extLst>
+            </p:cNvPr>
+            <p:cNvGrpSpPr/>
+            <p:nvPr/>
+          </p:nvGrpSpPr>
+          <p:grpSpPr>
+            <a:xfrm>
+              <a:off x="2779571" y="609191"/>
+              <a:ext cx="921928" cy="3039894"/>
+              <a:chOff x="6912862" y="1648266"/>
+              <a:chExt cx="921928" cy="3039894"/>
+            </a:xfrm>
+          </p:grpSpPr>
+          <p:pic>
+            <p:nvPicPr>
+              <p:cNvPr id="63" name="Graphic 62" descr="Plant With Roots outline">
+                <a:extLst>
+                  <a:ext uri="{FF2B5EF4-FFF2-40B4-BE49-F238E27FC236}">
+                    <a16:creationId xmlns:a16="http://schemas.microsoft.com/office/drawing/2014/main" id="{C5DE0ACC-133C-7B68-7881-E7A96120BABB}"/>
+                  </a:ext>
+                </a:extLst>
+              </p:cNvPr>
+              <p:cNvPicPr>
+                <a:picLocks noChangeAspect="1"/>
+              </p:cNvPicPr>
+              <p:nvPr/>
+            </p:nvPicPr>
+            <p:blipFill>
+              <a:blip r:embed="rId4">
+                <a:extLst>
+                  <a:ext uri="{28A0092B-C50C-407E-A947-70E740481C1C}">
+                    <a14:useLocalDpi xmlns:a14="http://schemas.microsoft.com/office/drawing/2010/main" val="0"/>
+                  </a:ext>
+                  <a:ext uri="{96DAC541-7B7A-43D3-8B79-37D633B846F1}">
+                    <asvg:svgBlip xmlns:asvg="http://schemas.microsoft.com/office/drawing/2016/SVG/main" r:embed="rId5"/>
+                  </a:ext>
+                </a:extLst>
+              </a:blip>
+              <a:stretch>
+                <a:fillRect/>
+              </a:stretch>
+            </p:blipFill>
+            <p:spPr>
+              <a:xfrm>
+                <a:off x="6912862" y="1648266"/>
+                <a:ext cx="914400" cy="1656863"/>
+              </a:xfrm>
+              <a:prstGeom prst="rect">
+                <a:avLst/>
+              </a:prstGeom>
+            </p:spPr>
+          </p:pic>
+          <p:pic>
+            <p:nvPicPr>
+              <p:cNvPr id="64" name="Graphic 63" descr="Plant With Roots outline">
+                <a:extLst>
+                  <a:ext uri="{FF2B5EF4-FFF2-40B4-BE49-F238E27FC236}">
+                    <a16:creationId xmlns:a16="http://schemas.microsoft.com/office/drawing/2014/main" id="{FC27E608-D79D-34DC-FA17-5408340FF3EE}"/>
+                  </a:ext>
+                </a:extLst>
+              </p:cNvPr>
+              <p:cNvPicPr>
+                <a:picLocks noChangeAspect="1"/>
+              </p:cNvPicPr>
+              <p:nvPr/>
+            </p:nvPicPr>
+            <p:blipFill rotWithShape="1">
+              <a:blip r:embed="rId4">
+                <a:extLst>
+                  <a:ext uri="{28A0092B-C50C-407E-A947-70E740481C1C}">
+                    <a14:useLocalDpi xmlns:a14="http://schemas.microsoft.com/office/drawing/2010/main" val="0"/>
+                  </a:ext>
+                  <a:ext uri="{96DAC541-7B7A-43D3-8B79-37D633B846F1}">
+                    <asvg:svgBlip xmlns:asvg="http://schemas.microsoft.com/office/drawing/2016/SVG/main" r:embed="rId5"/>
+                  </a:ext>
+                </a:extLst>
+              </a:blip>
+              <a:srcRect t="62614"/>
+              <a:stretch/>
+            </p:blipFill>
+            <p:spPr>
+              <a:xfrm>
+                <a:off x="6912862" y="3007133"/>
+                <a:ext cx="914400" cy="1681027"/>
+              </a:xfrm>
+              <a:prstGeom prst="rect">
+                <a:avLst/>
+              </a:prstGeom>
+            </p:spPr>
+          </p:pic>
+          <p:grpSp>
+            <p:nvGrpSpPr>
+              <p:cNvPr id="65" name="Group 64">
+                <a:extLst>
+                  <a:ext uri="{FF2B5EF4-FFF2-40B4-BE49-F238E27FC236}">
+                    <a16:creationId xmlns:a16="http://schemas.microsoft.com/office/drawing/2014/main" id="{7B946218-B406-1DAE-B495-D127BD5E3222}"/>
+                  </a:ext>
+                </a:extLst>
+              </p:cNvPr>
+              <p:cNvGrpSpPr/>
+              <p:nvPr/>
+            </p:nvGrpSpPr>
+            <p:grpSpPr>
+              <a:xfrm>
+                <a:off x="7000200" y="2659669"/>
+                <a:ext cx="739724" cy="142441"/>
+                <a:chOff x="8933585" y="1843196"/>
+                <a:chExt cx="739724" cy="142441"/>
+              </a:xfrm>
+            </p:grpSpPr>
+            <p:pic>
+              <p:nvPicPr>
+                <p:cNvPr id="67" name="Graphic 66" descr="Succulent outline">
+                  <a:extLst>
+                    <a:ext uri="{FF2B5EF4-FFF2-40B4-BE49-F238E27FC236}">
+                      <a16:creationId xmlns:a16="http://schemas.microsoft.com/office/drawing/2014/main" id="{F76E59B8-A359-A82A-3911-A26E08C5B08C}"/>
+                    </a:ext>
+                  </a:extLst>
+                </p:cNvPr>
+                <p:cNvPicPr>
+                  <a:picLocks noChangeAspect="1"/>
+                </p:cNvPicPr>
+                <p:nvPr/>
+              </p:nvPicPr>
+              <p:blipFill rotWithShape="1">
+                <a:blip r:embed="rId2">
+                  <a:extLst>
+                    <a:ext uri="{28A0092B-C50C-407E-A947-70E740481C1C}">
+                      <a14:useLocalDpi xmlns:a14="http://schemas.microsoft.com/office/drawing/2010/main" val="0"/>
+                    </a:ext>
+                    <a:ext uri="{96DAC541-7B7A-43D3-8B79-37D633B846F1}">
+                      <asvg:svgBlip xmlns:asvg="http://schemas.microsoft.com/office/drawing/2016/SVG/main" r:embed="rId3"/>
+                    </a:ext>
+                  </a:extLst>
+                </a:blip>
+                <a:srcRect l="35416" t="5469" r="35677" b="78385"/>
+                <a:stretch/>
+              </p:blipFill>
+              <p:spPr>
+                <a:xfrm>
+                  <a:off x="8933585" y="1843196"/>
+                  <a:ext cx="425547" cy="142441"/>
+                </a:xfrm>
+                <a:prstGeom prst="rect">
+                  <a:avLst/>
+                </a:prstGeom>
+              </p:spPr>
+            </p:pic>
+            <p:pic>
+              <p:nvPicPr>
+                <p:cNvPr id="68" name="Graphic 67" descr="Succulent outline">
+                  <a:extLst>
+                    <a:ext uri="{FF2B5EF4-FFF2-40B4-BE49-F238E27FC236}">
+                      <a16:creationId xmlns:a16="http://schemas.microsoft.com/office/drawing/2014/main" id="{A1C073AD-DE35-6C29-2A6F-5EED8EF26EB1}"/>
+                    </a:ext>
+                  </a:extLst>
+                </p:cNvPr>
+                <p:cNvPicPr>
+                  <a:picLocks noChangeAspect="1"/>
+                </p:cNvPicPr>
+                <p:nvPr/>
+              </p:nvPicPr>
+              <p:blipFill rotWithShape="1">
+                <a:blip r:embed="rId2">
+                  <a:extLst>
+                    <a:ext uri="{28A0092B-C50C-407E-A947-70E740481C1C}">
+                      <a14:useLocalDpi xmlns:a14="http://schemas.microsoft.com/office/drawing/2010/main" val="0"/>
+                    </a:ext>
+                    <a:ext uri="{96DAC541-7B7A-43D3-8B79-37D633B846F1}">
+                      <asvg:svgBlip xmlns:asvg="http://schemas.microsoft.com/office/drawing/2016/SVG/main" r:embed="rId3"/>
+                    </a:ext>
+                  </a:extLst>
+                </a:blip>
+                <a:srcRect l="35416" t="5469" r="35677" b="78385"/>
+                <a:stretch/>
+              </p:blipFill>
+              <p:spPr>
+                <a:xfrm>
+                  <a:off x="9136390" y="1843196"/>
+                  <a:ext cx="425547" cy="142441"/>
+                </a:xfrm>
+                <a:prstGeom prst="rect">
+                  <a:avLst/>
+                </a:prstGeom>
+              </p:spPr>
+            </p:pic>
+            <p:pic>
+              <p:nvPicPr>
+                <p:cNvPr id="69" name="Graphic 68" descr="Succulent outline">
+                  <a:extLst>
+                    <a:ext uri="{FF2B5EF4-FFF2-40B4-BE49-F238E27FC236}">
+                      <a16:creationId xmlns:a16="http://schemas.microsoft.com/office/drawing/2014/main" id="{2DC8E3D0-73B6-FE30-7E8A-D48C11B4981C}"/>
+                    </a:ext>
+                  </a:extLst>
+                </p:cNvPr>
+                <p:cNvPicPr>
+                  <a:picLocks noChangeAspect="1"/>
+                </p:cNvPicPr>
+                <p:nvPr/>
+              </p:nvPicPr>
+              <p:blipFill rotWithShape="1">
+                <a:blip r:embed="rId2">
+                  <a:extLst>
+                    <a:ext uri="{28A0092B-C50C-407E-A947-70E740481C1C}">
+                      <a14:useLocalDpi xmlns:a14="http://schemas.microsoft.com/office/drawing/2010/main" val="0"/>
+                    </a:ext>
+                    <a:ext uri="{96DAC541-7B7A-43D3-8B79-37D633B846F1}">
+                      <asvg:svgBlip xmlns:asvg="http://schemas.microsoft.com/office/drawing/2016/SVG/main" r:embed="rId3"/>
+                    </a:ext>
+                  </a:extLst>
+                </a:blip>
+                <a:srcRect l="35416" t="5469" r="35677" b="78385"/>
+                <a:stretch/>
+              </p:blipFill>
+              <p:spPr>
+                <a:xfrm>
+                  <a:off x="9247762" y="1843196"/>
+                  <a:ext cx="425547" cy="142441"/>
+                </a:xfrm>
+                <a:prstGeom prst="rect">
+                  <a:avLst/>
+                </a:prstGeom>
+              </p:spPr>
+            </p:pic>
+          </p:grpSp>
+          <p:pic>
+            <p:nvPicPr>
+              <p:cNvPr id="66" name="Graphic 65" descr="Plant With Roots outline">
+                <a:extLst>
+                  <a:ext uri="{FF2B5EF4-FFF2-40B4-BE49-F238E27FC236}">
+                    <a16:creationId xmlns:a16="http://schemas.microsoft.com/office/drawing/2014/main" id="{08F22040-6378-DE7F-168B-D01E8293A7E6}"/>
+                  </a:ext>
+                </a:extLst>
+              </p:cNvPr>
+              <p:cNvPicPr>
+                <a:picLocks noChangeAspect="1"/>
+              </p:cNvPicPr>
+              <p:nvPr/>
+            </p:nvPicPr>
+            <p:blipFill rotWithShape="1">
+              <a:blip r:embed="rId4">
+                <a:extLst>
+                  <a:ext uri="{28A0092B-C50C-407E-A947-70E740481C1C}">
+                    <a14:useLocalDpi xmlns:a14="http://schemas.microsoft.com/office/drawing/2010/main" val="0"/>
+                  </a:ext>
+                  <a:ext uri="{96DAC541-7B7A-43D3-8B79-37D633B846F1}">
+                    <asvg:svgBlip xmlns:asvg="http://schemas.microsoft.com/office/drawing/2016/SVG/main" r:embed="rId5"/>
+                  </a:ext>
+                </a:extLst>
+              </a:blip>
+              <a:srcRect t="62614"/>
+              <a:stretch/>
+            </p:blipFill>
+            <p:spPr>
+              <a:xfrm>
+                <a:off x="6920390" y="2857446"/>
+                <a:ext cx="914400" cy="895365"/>
+              </a:xfrm>
+              <a:prstGeom prst="rect">
+                <a:avLst/>
+              </a:prstGeom>
+            </p:spPr>
+          </p:pic>
+        </p:grpSp>
+      </p:grpSp>
+    </p:spTree>
+    <p:extLst>
+      <p:ext uri="{BB962C8B-B14F-4D97-AF65-F5344CB8AC3E}">
+        <p14:creationId xmlns:p14="http://schemas.microsoft.com/office/powerpoint/2010/main" val="385332069"/>
       </p:ext>
     </p:extLst>
   </p:cSld>
